--- a/media/Xamarin+Azure.pptx
+++ b/media/Xamarin+Azure.pptx
@@ -5,7 +5,7 @@
     <p:sldMasterId id="2147483660" r:id="rId1"/>
   </p:sldMasterIdLst>
   <p:notesMasterIdLst>
-    <p:notesMasterId r:id="rId31"/>
+    <p:notesMasterId r:id="rId38"/>
   </p:notesMasterIdLst>
   <p:sldIdLst>
     <p:sldId id="283" r:id="rId2"/>
@@ -35,8 +35,15 @@
     <p:sldId id="411" r:id="rId26"/>
     <p:sldId id="401" r:id="rId27"/>
     <p:sldId id="400" r:id="rId28"/>
-    <p:sldId id="399" r:id="rId29"/>
-    <p:sldId id="398" r:id="rId30"/>
+    <p:sldId id="413" r:id="rId29"/>
+    <p:sldId id="414" r:id="rId30"/>
+    <p:sldId id="415" r:id="rId31"/>
+    <p:sldId id="416" r:id="rId32"/>
+    <p:sldId id="417" r:id="rId33"/>
+    <p:sldId id="418" r:id="rId34"/>
+    <p:sldId id="419" r:id="rId35"/>
+    <p:sldId id="399" r:id="rId36"/>
+    <p:sldId id="398" r:id="rId37"/>
   </p:sldIdLst>
   <p:sldSz cx="12192000" cy="6858000"/>
   <p:notesSz cx="6858000" cy="9144000"/>
@@ -3433,7 +3440,7 @@
     </p:spTree>
     <p:extLst>
       <p:ext uri="{BB962C8B-B14F-4D97-AF65-F5344CB8AC3E}">
-        <p14:creationId xmlns:p14="http://schemas.microsoft.com/office/powerpoint/2010/main" val="331926160"/>
+        <p14:creationId xmlns:p14="http://schemas.microsoft.com/office/powerpoint/2010/main" val="3164958647"/>
       </p:ext>
     </p:extLst>
   </p:cSld>
@@ -3595,7 +3602,169 @@
     </p:spTree>
     <p:extLst>
       <p:ext uri="{BB962C8B-B14F-4D97-AF65-F5344CB8AC3E}">
-        <p14:creationId xmlns:p14="http://schemas.microsoft.com/office/powerpoint/2010/main" val="2031415334"/>
+        <p14:creationId xmlns:p14="http://schemas.microsoft.com/office/powerpoint/2010/main" val="2504642746"/>
+      </p:ext>
+    </p:extLst>
+  </p:cSld>
+  <p:clrMapOvr>
+    <a:masterClrMapping/>
+  </p:clrMapOvr>
+</p:notes>
+</file>
+
+<file path=ppt/notesSlides/notesSlide29.xml><?xml version="1.0" encoding="utf-8"?>
+<p:notes xmlns:a="http://schemas.openxmlformats.org/drawingml/2006/main" xmlns:r="http://schemas.openxmlformats.org/officeDocument/2006/relationships" xmlns:p="http://schemas.openxmlformats.org/presentationml/2006/main">
+  <p:cSld>
+    <p:spTree>
+      <p:nvGrpSpPr>
+        <p:cNvPr id="1" name=""/>
+        <p:cNvGrpSpPr/>
+        <p:nvPr/>
+      </p:nvGrpSpPr>
+      <p:grpSpPr>
+        <a:xfrm>
+          <a:off x="0" y="0"/>
+          <a:ext cx="0" cy="0"/>
+          <a:chOff x="0" y="0"/>
+          <a:chExt cx="0" cy="0"/>
+        </a:xfrm>
+      </p:grpSpPr>
+      <p:sp>
+        <p:nvSpPr>
+          <p:cNvPr id="2" name="Slide Image Placeholder 1"/>
+          <p:cNvSpPr>
+            <a:spLocks noGrp="1" noRot="1" noChangeAspect="1"/>
+          </p:cNvSpPr>
+          <p:nvPr>
+            <p:ph type="sldImg"/>
+          </p:nvPr>
+        </p:nvSpPr>
+        <p:spPr/>
+      </p:sp>
+      <p:sp>
+        <p:nvSpPr>
+          <p:cNvPr id="3" name="Notes Placeholder 2"/>
+          <p:cNvSpPr>
+            <a:spLocks noGrp="1"/>
+          </p:cNvSpPr>
+          <p:nvPr>
+            <p:ph type="body" idx="1"/>
+          </p:nvPr>
+        </p:nvSpPr>
+        <p:spPr/>
+        <p:txBody>
+          <a:bodyPr/>
+          <a:lstStyle/>
+          <a:p>
+            <a:endParaRPr lang="en-US" dirty="0"/>
+          </a:p>
+        </p:txBody>
+      </p:sp>
+      <p:sp>
+        <p:nvSpPr>
+          <p:cNvPr id="4" name="Footer Placeholder 3"/>
+          <p:cNvSpPr>
+            <a:spLocks noGrp="1"/>
+          </p:cNvSpPr>
+          <p:nvPr>
+            <p:ph type="ftr" sz="quarter" idx="10"/>
+          </p:nvPr>
+        </p:nvSpPr>
+        <p:spPr/>
+        <p:txBody>
+          <a:bodyPr/>
+          <a:lstStyle/>
+          <a:p>
+            <a:pPr defTabSz="914099" eaLnBrk="0" hangingPunct="0"/>
+            <a:r>
+              <a:rPr lang="en-US" sz="400">
+                <a:gradFill>
+                  <a:gsLst>
+                    <a:gs pos="0">
+                      <a:prstClr val="black"/>
+                    </a:gs>
+                    <a:gs pos="100000">
+                      <a:prstClr val="black"/>
+                    </a:gs>
+                  </a:gsLst>
+                  <a:lin ang="5400000" scaled="0"/>
+                </a:gradFill>
+                <a:latin typeface="Segoe UI" pitchFamily="34" charset="0"/>
+                <a:ea typeface="Segoe UI" pitchFamily="34" charset="0"/>
+                <a:cs typeface="Segoe UI" pitchFamily="34" charset="0"/>
+              </a:rPr>
+              <a:t>© 2014 Microsoft Corporation. All rights reserved. Microsoft, Windows, and other product names are or may be registered trademarks and/or trademarks in the U.S. and/or other countries. The information herein is for informational purposes only and represents the current view of Microsoft Corporation as of the date of this presentation.  Because Microsoft must respond to changing market conditions, it should not be interpreted to be a commitment on the part of Microsoft, and Microsoft cannot guarantee the accuracy of any information provided after the date of this presentation.  MICROSOFT MAKES NO WARRANTIES, EXPRESS, IMPLIED OR STATUTORY, AS TO THE INFORMATION IN THIS PRESENTATION.</a:t>
+            </a:r>
+            <a:endParaRPr lang="en-US" sz="400" dirty="0">
+              <a:gradFill>
+                <a:gsLst>
+                  <a:gs pos="0">
+                    <a:prstClr val="black"/>
+                  </a:gs>
+                  <a:gs pos="100000">
+                    <a:prstClr val="black"/>
+                  </a:gs>
+                </a:gsLst>
+                <a:lin ang="5400000" scaled="0"/>
+              </a:gradFill>
+              <a:latin typeface="Segoe UI" pitchFamily="34" charset="0"/>
+              <a:ea typeface="Segoe UI" pitchFamily="34" charset="0"/>
+              <a:cs typeface="Segoe UI" pitchFamily="34" charset="0"/>
+            </a:endParaRPr>
+          </a:p>
+        </p:txBody>
+      </p:sp>
+      <p:sp>
+        <p:nvSpPr>
+          <p:cNvPr id="5" name="Date Placeholder 4"/>
+          <p:cNvSpPr>
+            <a:spLocks noGrp="1"/>
+          </p:cNvSpPr>
+          <p:nvPr>
+            <p:ph type="dt" idx="11"/>
+          </p:nvPr>
+        </p:nvSpPr>
+        <p:spPr/>
+        <p:txBody>
+          <a:bodyPr/>
+          <a:lstStyle/>
+          <a:p>
+            <a:fld id="{E74353ED-ACB2-44BF-A903-985B0AF962B7}" type="datetime1">
+              <a:rPr lang="en-US" smtClean="0"/>
+              <a:t>10/12/2016</a:t>
+            </a:fld>
+            <a:endParaRPr lang="en-US" dirty="0"/>
+          </a:p>
+        </p:txBody>
+      </p:sp>
+      <p:sp>
+        <p:nvSpPr>
+          <p:cNvPr id="6" name="Slide Number Placeholder 5"/>
+          <p:cNvSpPr>
+            <a:spLocks noGrp="1"/>
+          </p:cNvSpPr>
+          <p:nvPr>
+            <p:ph type="sldNum" sz="quarter" idx="12"/>
+          </p:nvPr>
+        </p:nvSpPr>
+        <p:spPr/>
+        <p:txBody>
+          <a:bodyPr/>
+          <a:lstStyle/>
+          <a:p>
+            <a:fld id="{B4008EB6-D09E-4580-8CD6-DDB14511944F}" type="slidenum">
+              <a:rPr lang="en-US" smtClean="0"/>
+              <a:pPr/>
+              <a:t>30</a:t>
+            </a:fld>
+            <a:endParaRPr lang="en-US" dirty="0"/>
+          </a:p>
+        </p:txBody>
+      </p:sp>
+    </p:spTree>
+    <p:extLst>
+      <p:ext uri="{BB962C8B-B14F-4D97-AF65-F5344CB8AC3E}">
+        <p14:creationId xmlns:p14="http://schemas.microsoft.com/office/powerpoint/2010/main" val="1942555660"/>
       </p:ext>
     </p:extLst>
   </p:cSld>
@@ -3680,6 +3849,978 @@
     <p:extLst>
       <p:ext uri="{BB962C8B-B14F-4D97-AF65-F5344CB8AC3E}">
         <p14:creationId xmlns:p14="http://schemas.microsoft.com/office/powerpoint/2010/main" val="2639653970"/>
+      </p:ext>
+    </p:extLst>
+  </p:cSld>
+  <p:clrMapOvr>
+    <a:masterClrMapping/>
+  </p:clrMapOvr>
+</p:notes>
+</file>
+
+<file path=ppt/notesSlides/notesSlide30.xml><?xml version="1.0" encoding="utf-8"?>
+<p:notes xmlns:a="http://schemas.openxmlformats.org/drawingml/2006/main" xmlns:r="http://schemas.openxmlformats.org/officeDocument/2006/relationships" xmlns:p="http://schemas.openxmlformats.org/presentationml/2006/main">
+  <p:cSld>
+    <p:spTree>
+      <p:nvGrpSpPr>
+        <p:cNvPr id="1" name=""/>
+        <p:cNvGrpSpPr/>
+        <p:nvPr/>
+      </p:nvGrpSpPr>
+      <p:grpSpPr>
+        <a:xfrm>
+          <a:off x="0" y="0"/>
+          <a:ext cx="0" cy="0"/>
+          <a:chOff x="0" y="0"/>
+          <a:chExt cx="0" cy="0"/>
+        </a:xfrm>
+      </p:grpSpPr>
+      <p:sp>
+        <p:nvSpPr>
+          <p:cNvPr id="2" name="Slide Image Placeholder 1"/>
+          <p:cNvSpPr>
+            <a:spLocks noGrp="1" noRot="1" noChangeAspect="1"/>
+          </p:cNvSpPr>
+          <p:nvPr>
+            <p:ph type="sldImg"/>
+          </p:nvPr>
+        </p:nvSpPr>
+        <p:spPr/>
+      </p:sp>
+      <p:sp>
+        <p:nvSpPr>
+          <p:cNvPr id="3" name="Notes Placeholder 2"/>
+          <p:cNvSpPr>
+            <a:spLocks noGrp="1"/>
+          </p:cNvSpPr>
+          <p:nvPr>
+            <p:ph type="body" idx="1"/>
+          </p:nvPr>
+        </p:nvSpPr>
+        <p:spPr/>
+        <p:txBody>
+          <a:bodyPr/>
+          <a:lstStyle/>
+          <a:p>
+            <a:endParaRPr lang="en-US" dirty="0"/>
+          </a:p>
+        </p:txBody>
+      </p:sp>
+      <p:sp>
+        <p:nvSpPr>
+          <p:cNvPr id="4" name="Footer Placeholder 3"/>
+          <p:cNvSpPr>
+            <a:spLocks noGrp="1"/>
+          </p:cNvSpPr>
+          <p:nvPr>
+            <p:ph type="ftr" sz="quarter" idx="10"/>
+          </p:nvPr>
+        </p:nvSpPr>
+        <p:spPr/>
+        <p:txBody>
+          <a:bodyPr/>
+          <a:lstStyle/>
+          <a:p>
+            <a:pPr defTabSz="914099" eaLnBrk="0" hangingPunct="0"/>
+            <a:r>
+              <a:rPr lang="en-US" sz="400">
+                <a:gradFill>
+                  <a:gsLst>
+                    <a:gs pos="0">
+                      <a:prstClr val="black"/>
+                    </a:gs>
+                    <a:gs pos="100000">
+                      <a:prstClr val="black"/>
+                    </a:gs>
+                  </a:gsLst>
+                  <a:lin ang="5400000" scaled="0"/>
+                </a:gradFill>
+                <a:latin typeface="Segoe UI" pitchFamily="34" charset="0"/>
+                <a:ea typeface="Segoe UI" pitchFamily="34" charset="0"/>
+                <a:cs typeface="Segoe UI" pitchFamily="34" charset="0"/>
+              </a:rPr>
+              <a:t>© 2014 Microsoft Corporation. All rights reserved. Microsoft, Windows, and other product names are or may be registered trademarks and/or trademarks in the U.S. and/or other countries. The information herein is for informational purposes only and represents the current view of Microsoft Corporation as of the date of this presentation.  Because Microsoft must respond to changing market conditions, it should not be interpreted to be a commitment on the part of Microsoft, and Microsoft cannot guarantee the accuracy of any information provided after the date of this presentation.  MICROSOFT MAKES NO WARRANTIES, EXPRESS, IMPLIED OR STATUTORY, AS TO THE INFORMATION IN THIS PRESENTATION.</a:t>
+            </a:r>
+            <a:endParaRPr lang="en-US" sz="400" dirty="0">
+              <a:gradFill>
+                <a:gsLst>
+                  <a:gs pos="0">
+                    <a:prstClr val="black"/>
+                  </a:gs>
+                  <a:gs pos="100000">
+                    <a:prstClr val="black"/>
+                  </a:gs>
+                </a:gsLst>
+                <a:lin ang="5400000" scaled="0"/>
+              </a:gradFill>
+              <a:latin typeface="Segoe UI" pitchFamily="34" charset="0"/>
+              <a:ea typeface="Segoe UI" pitchFamily="34" charset="0"/>
+              <a:cs typeface="Segoe UI" pitchFamily="34" charset="0"/>
+            </a:endParaRPr>
+          </a:p>
+        </p:txBody>
+      </p:sp>
+      <p:sp>
+        <p:nvSpPr>
+          <p:cNvPr id="5" name="Date Placeholder 4"/>
+          <p:cNvSpPr>
+            <a:spLocks noGrp="1"/>
+          </p:cNvSpPr>
+          <p:nvPr>
+            <p:ph type="dt" idx="11"/>
+          </p:nvPr>
+        </p:nvSpPr>
+        <p:spPr/>
+        <p:txBody>
+          <a:bodyPr/>
+          <a:lstStyle/>
+          <a:p>
+            <a:fld id="{E74353ED-ACB2-44BF-A903-985B0AF962B7}" type="datetime1">
+              <a:rPr lang="en-US" smtClean="0"/>
+              <a:t>10/12/2016</a:t>
+            </a:fld>
+            <a:endParaRPr lang="en-US" dirty="0"/>
+          </a:p>
+        </p:txBody>
+      </p:sp>
+      <p:sp>
+        <p:nvSpPr>
+          <p:cNvPr id="6" name="Slide Number Placeholder 5"/>
+          <p:cNvSpPr>
+            <a:spLocks noGrp="1"/>
+          </p:cNvSpPr>
+          <p:nvPr>
+            <p:ph type="sldNum" sz="quarter" idx="12"/>
+          </p:nvPr>
+        </p:nvSpPr>
+        <p:spPr/>
+        <p:txBody>
+          <a:bodyPr/>
+          <a:lstStyle/>
+          <a:p>
+            <a:fld id="{B4008EB6-D09E-4580-8CD6-DDB14511944F}" type="slidenum">
+              <a:rPr lang="en-US" smtClean="0"/>
+              <a:pPr/>
+              <a:t>31</a:t>
+            </a:fld>
+            <a:endParaRPr lang="en-US" dirty="0"/>
+          </a:p>
+        </p:txBody>
+      </p:sp>
+    </p:spTree>
+    <p:extLst>
+      <p:ext uri="{BB962C8B-B14F-4D97-AF65-F5344CB8AC3E}">
+        <p14:creationId xmlns:p14="http://schemas.microsoft.com/office/powerpoint/2010/main" val="1017448458"/>
+      </p:ext>
+    </p:extLst>
+  </p:cSld>
+  <p:clrMapOvr>
+    <a:masterClrMapping/>
+  </p:clrMapOvr>
+</p:notes>
+</file>
+
+<file path=ppt/notesSlides/notesSlide31.xml><?xml version="1.0" encoding="utf-8"?>
+<p:notes xmlns:a="http://schemas.openxmlformats.org/drawingml/2006/main" xmlns:r="http://schemas.openxmlformats.org/officeDocument/2006/relationships" xmlns:p="http://schemas.openxmlformats.org/presentationml/2006/main">
+  <p:cSld>
+    <p:spTree>
+      <p:nvGrpSpPr>
+        <p:cNvPr id="1" name=""/>
+        <p:cNvGrpSpPr/>
+        <p:nvPr/>
+      </p:nvGrpSpPr>
+      <p:grpSpPr>
+        <a:xfrm>
+          <a:off x="0" y="0"/>
+          <a:ext cx="0" cy="0"/>
+          <a:chOff x="0" y="0"/>
+          <a:chExt cx="0" cy="0"/>
+        </a:xfrm>
+      </p:grpSpPr>
+      <p:sp>
+        <p:nvSpPr>
+          <p:cNvPr id="2" name="Slide Image Placeholder 1"/>
+          <p:cNvSpPr>
+            <a:spLocks noGrp="1" noRot="1" noChangeAspect="1"/>
+          </p:cNvSpPr>
+          <p:nvPr>
+            <p:ph type="sldImg"/>
+          </p:nvPr>
+        </p:nvSpPr>
+        <p:spPr/>
+      </p:sp>
+      <p:sp>
+        <p:nvSpPr>
+          <p:cNvPr id="3" name="Notes Placeholder 2"/>
+          <p:cNvSpPr>
+            <a:spLocks noGrp="1"/>
+          </p:cNvSpPr>
+          <p:nvPr>
+            <p:ph type="body" idx="1"/>
+          </p:nvPr>
+        </p:nvSpPr>
+        <p:spPr/>
+        <p:txBody>
+          <a:bodyPr/>
+          <a:lstStyle/>
+          <a:p>
+            <a:endParaRPr lang="en-US" dirty="0"/>
+          </a:p>
+        </p:txBody>
+      </p:sp>
+      <p:sp>
+        <p:nvSpPr>
+          <p:cNvPr id="4" name="Footer Placeholder 3"/>
+          <p:cNvSpPr>
+            <a:spLocks noGrp="1"/>
+          </p:cNvSpPr>
+          <p:nvPr>
+            <p:ph type="ftr" sz="quarter" idx="10"/>
+          </p:nvPr>
+        </p:nvSpPr>
+        <p:spPr/>
+        <p:txBody>
+          <a:bodyPr/>
+          <a:lstStyle/>
+          <a:p>
+            <a:pPr defTabSz="914099" eaLnBrk="0" hangingPunct="0"/>
+            <a:r>
+              <a:rPr lang="en-US" sz="400">
+                <a:gradFill>
+                  <a:gsLst>
+                    <a:gs pos="0">
+                      <a:prstClr val="black"/>
+                    </a:gs>
+                    <a:gs pos="100000">
+                      <a:prstClr val="black"/>
+                    </a:gs>
+                  </a:gsLst>
+                  <a:lin ang="5400000" scaled="0"/>
+                </a:gradFill>
+                <a:latin typeface="Segoe UI" pitchFamily="34" charset="0"/>
+                <a:ea typeface="Segoe UI" pitchFamily="34" charset="0"/>
+                <a:cs typeface="Segoe UI" pitchFamily="34" charset="0"/>
+              </a:rPr>
+              <a:t>© 2014 Microsoft Corporation. All rights reserved. Microsoft, Windows, and other product names are or may be registered trademarks and/or trademarks in the U.S. and/or other countries. The information herein is for informational purposes only and represents the current view of Microsoft Corporation as of the date of this presentation.  Because Microsoft must respond to changing market conditions, it should not be interpreted to be a commitment on the part of Microsoft, and Microsoft cannot guarantee the accuracy of any information provided after the date of this presentation.  MICROSOFT MAKES NO WARRANTIES, EXPRESS, IMPLIED OR STATUTORY, AS TO THE INFORMATION IN THIS PRESENTATION.</a:t>
+            </a:r>
+            <a:endParaRPr lang="en-US" sz="400" dirty="0">
+              <a:gradFill>
+                <a:gsLst>
+                  <a:gs pos="0">
+                    <a:prstClr val="black"/>
+                  </a:gs>
+                  <a:gs pos="100000">
+                    <a:prstClr val="black"/>
+                  </a:gs>
+                </a:gsLst>
+                <a:lin ang="5400000" scaled="0"/>
+              </a:gradFill>
+              <a:latin typeface="Segoe UI" pitchFamily="34" charset="0"/>
+              <a:ea typeface="Segoe UI" pitchFamily="34" charset="0"/>
+              <a:cs typeface="Segoe UI" pitchFamily="34" charset="0"/>
+            </a:endParaRPr>
+          </a:p>
+        </p:txBody>
+      </p:sp>
+      <p:sp>
+        <p:nvSpPr>
+          <p:cNvPr id="5" name="Date Placeholder 4"/>
+          <p:cNvSpPr>
+            <a:spLocks noGrp="1"/>
+          </p:cNvSpPr>
+          <p:nvPr>
+            <p:ph type="dt" idx="11"/>
+          </p:nvPr>
+        </p:nvSpPr>
+        <p:spPr/>
+        <p:txBody>
+          <a:bodyPr/>
+          <a:lstStyle/>
+          <a:p>
+            <a:fld id="{E74353ED-ACB2-44BF-A903-985B0AF962B7}" type="datetime1">
+              <a:rPr lang="en-US" smtClean="0"/>
+              <a:t>10/12/2016</a:t>
+            </a:fld>
+            <a:endParaRPr lang="en-US" dirty="0"/>
+          </a:p>
+        </p:txBody>
+      </p:sp>
+      <p:sp>
+        <p:nvSpPr>
+          <p:cNvPr id="6" name="Slide Number Placeholder 5"/>
+          <p:cNvSpPr>
+            <a:spLocks noGrp="1"/>
+          </p:cNvSpPr>
+          <p:nvPr>
+            <p:ph type="sldNum" sz="quarter" idx="12"/>
+          </p:nvPr>
+        </p:nvSpPr>
+        <p:spPr/>
+        <p:txBody>
+          <a:bodyPr/>
+          <a:lstStyle/>
+          <a:p>
+            <a:fld id="{B4008EB6-D09E-4580-8CD6-DDB14511944F}" type="slidenum">
+              <a:rPr lang="en-US" smtClean="0"/>
+              <a:pPr/>
+              <a:t>32</a:t>
+            </a:fld>
+            <a:endParaRPr lang="en-US" dirty="0"/>
+          </a:p>
+        </p:txBody>
+      </p:sp>
+    </p:spTree>
+    <p:extLst>
+      <p:ext uri="{BB962C8B-B14F-4D97-AF65-F5344CB8AC3E}">
+        <p14:creationId xmlns:p14="http://schemas.microsoft.com/office/powerpoint/2010/main" val="2919376089"/>
+      </p:ext>
+    </p:extLst>
+  </p:cSld>
+  <p:clrMapOvr>
+    <a:masterClrMapping/>
+  </p:clrMapOvr>
+</p:notes>
+</file>
+
+<file path=ppt/notesSlides/notesSlide32.xml><?xml version="1.0" encoding="utf-8"?>
+<p:notes xmlns:a="http://schemas.openxmlformats.org/drawingml/2006/main" xmlns:r="http://schemas.openxmlformats.org/officeDocument/2006/relationships" xmlns:p="http://schemas.openxmlformats.org/presentationml/2006/main">
+  <p:cSld>
+    <p:spTree>
+      <p:nvGrpSpPr>
+        <p:cNvPr id="1" name=""/>
+        <p:cNvGrpSpPr/>
+        <p:nvPr/>
+      </p:nvGrpSpPr>
+      <p:grpSpPr>
+        <a:xfrm>
+          <a:off x="0" y="0"/>
+          <a:ext cx="0" cy="0"/>
+          <a:chOff x="0" y="0"/>
+          <a:chExt cx="0" cy="0"/>
+        </a:xfrm>
+      </p:grpSpPr>
+      <p:sp>
+        <p:nvSpPr>
+          <p:cNvPr id="2" name="Slide Image Placeholder 1"/>
+          <p:cNvSpPr>
+            <a:spLocks noGrp="1" noRot="1" noChangeAspect="1"/>
+          </p:cNvSpPr>
+          <p:nvPr>
+            <p:ph type="sldImg"/>
+          </p:nvPr>
+        </p:nvSpPr>
+        <p:spPr/>
+      </p:sp>
+      <p:sp>
+        <p:nvSpPr>
+          <p:cNvPr id="3" name="Notes Placeholder 2"/>
+          <p:cNvSpPr>
+            <a:spLocks noGrp="1"/>
+          </p:cNvSpPr>
+          <p:nvPr>
+            <p:ph type="body" idx="1"/>
+          </p:nvPr>
+        </p:nvSpPr>
+        <p:spPr/>
+        <p:txBody>
+          <a:bodyPr/>
+          <a:lstStyle/>
+          <a:p>
+            <a:endParaRPr lang="en-US" dirty="0"/>
+          </a:p>
+        </p:txBody>
+      </p:sp>
+      <p:sp>
+        <p:nvSpPr>
+          <p:cNvPr id="4" name="Footer Placeholder 3"/>
+          <p:cNvSpPr>
+            <a:spLocks noGrp="1"/>
+          </p:cNvSpPr>
+          <p:nvPr>
+            <p:ph type="ftr" sz="quarter" idx="10"/>
+          </p:nvPr>
+        </p:nvSpPr>
+        <p:spPr/>
+        <p:txBody>
+          <a:bodyPr/>
+          <a:lstStyle/>
+          <a:p>
+            <a:pPr defTabSz="914099" eaLnBrk="0" hangingPunct="0"/>
+            <a:r>
+              <a:rPr lang="en-US" sz="400">
+                <a:gradFill>
+                  <a:gsLst>
+                    <a:gs pos="0">
+                      <a:prstClr val="black"/>
+                    </a:gs>
+                    <a:gs pos="100000">
+                      <a:prstClr val="black"/>
+                    </a:gs>
+                  </a:gsLst>
+                  <a:lin ang="5400000" scaled="0"/>
+                </a:gradFill>
+                <a:latin typeface="Segoe UI" pitchFamily="34" charset="0"/>
+                <a:ea typeface="Segoe UI" pitchFamily="34" charset="0"/>
+                <a:cs typeface="Segoe UI" pitchFamily="34" charset="0"/>
+              </a:rPr>
+              <a:t>© 2014 Microsoft Corporation. All rights reserved. Microsoft, Windows, and other product names are or may be registered trademarks and/or trademarks in the U.S. and/or other countries. The information herein is for informational purposes only and represents the current view of Microsoft Corporation as of the date of this presentation.  Because Microsoft must respond to changing market conditions, it should not be interpreted to be a commitment on the part of Microsoft, and Microsoft cannot guarantee the accuracy of any information provided after the date of this presentation.  MICROSOFT MAKES NO WARRANTIES, EXPRESS, IMPLIED OR STATUTORY, AS TO THE INFORMATION IN THIS PRESENTATION.</a:t>
+            </a:r>
+            <a:endParaRPr lang="en-US" sz="400" dirty="0">
+              <a:gradFill>
+                <a:gsLst>
+                  <a:gs pos="0">
+                    <a:prstClr val="black"/>
+                  </a:gs>
+                  <a:gs pos="100000">
+                    <a:prstClr val="black"/>
+                  </a:gs>
+                </a:gsLst>
+                <a:lin ang="5400000" scaled="0"/>
+              </a:gradFill>
+              <a:latin typeface="Segoe UI" pitchFamily="34" charset="0"/>
+              <a:ea typeface="Segoe UI" pitchFamily="34" charset="0"/>
+              <a:cs typeface="Segoe UI" pitchFamily="34" charset="0"/>
+            </a:endParaRPr>
+          </a:p>
+        </p:txBody>
+      </p:sp>
+      <p:sp>
+        <p:nvSpPr>
+          <p:cNvPr id="5" name="Date Placeholder 4"/>
+          <p:cNvSpPr>
+            <a:spLocks noGrp="1"/>
+          </p:cNvSpPr>
+          <p:nvPr>
+            <p:ph type="dt" idx="11"/>
+          </p:nvPr>
+        </p:nvSpPr>
+        <p:spPr/>
+        <p:txBody>
+          <a:bodyPr/>
+          <a:lstStyle/>
+          <a:p>
+            <a:fld id="{E74353ED-ACB2-44BF-A903-985B0AF962B7}" type="datetime1">
+              <a:rPr lang="en-US" smtClean="0"/>
+              <a:t>10/12/2016</a:t>
+            </a:fld>
+            <a:endParaRPr lang="en-US" dirty="0"/>
+          </a:p>
+        </p:txBody>
+      </p:sp>
+      <p:sp>
+        <p:nvSpPr>
+          <p:cNvPr id="6" name="Slide Number Placeholder 5"/>
+          <p:cNvSpPr>
+            <a:spLocks noGrp="1"/>
+          </p:cNvSpPr>
+          <p:nvPr>
+            <p:ph type="sldNum" sz="quarter" idx="12"/>
+          </p:nvPr>
+        </p:nvSpPr>
+        <p:spPr/>
+        <p:txBody>
+          <a:bodyPr/>
+          <a:lstStyle/>
+          <a:p>
+            <a:fld id="{B4008EB6-D09E-4580-8CD6-DDB14511944F}" type="slidenum">
+              <a:rPr lang="en-US" smtClean="0"/>
+              <a:pPr/>
+              <a:t>33</a:t>
+            </a:fld>
+            <a:endParaRPr lang="en-US" dirty="0"/>
+          </a:p>
+        </p:txBody>
+      </p:sp>
+    </p:spTree>
+    <p:extLst>
+      <p:ext uri="{BB962C8B-B14F-4D97-AF65-F5344CB8AC3E}">
+        <p14:creationId xmlns:p14="http://schemas.microsoft.com/office/powerpoint/2010/main" val="353030102"/>
+      </p:ext>
+    </p:extLst>
+  </p:cSld>
+  <p:clrMapOvr>
+    <a:masterClrMapping/>
+  </p:clrMapOvr>
+</p:notes>
+</file>
+
+<file path=ppt/notesSlides/notesSlide33.xml><?xml version="1.0" encoding="utf-8"?>
+<p:notes xmlns:a="http://schemas.openxmlformats.org/drawingml/2006/main" xmlns:r="http://schemas.openxmlformats.org/officeDocument/2006/relationships" xmlns:p="http://schemas.openxmlformats.org/presentationml/2006/main">
+  <p:cSld>
+    <p:spTree>
+      <p:nvGrpSpPr>
+        <p:cNvPr id="1" name=""/>
+        <p:cNvGrpSpPr/>
+        <p:nvPr/>
+      </p:nvGrpSpPr>
+      <p:grpSpPr>
+        <a:xfrm>
+          <a:off x="0" y="0"/>
+          <a:ext cx="0" cy="0"/>
+          <a:chOff x="0" y="0"/>
+          <a:chExt cx="0" cy="0"/>
+        </a:xfrm>
+      </p:grpSpPr>
+      <p:sp>
+        <p:nvSpPr>
+          <p:cNvPr id="2" name="Slide Image Placeholder 1"/>
+          <p:cNvSpPr>
+            <a:spLocks noGrp="1" noRot="1" noChangeAspect="1"/>
+          </p:cNvSpPr>
+          <p:nvPr>
+            <p:ph type="sldImg"/>
+          </p:nvPr>
+        </p:nvSpPr>
+        <p:spPr/>
+      </p:sp>
+      <p:sp>
+        <p:nvSpPr>
+          <p:cNvPr id="3" name="Notes Placeholder 2"/>
+          <p:cNvSpPr>
+            <a:spLocks noGrp="1"/>
+          </p:cNvSpPr>
+          <p:nvPr>
+            <p:ph type="body" idx="1"/>
+          </p:nvPr>
+        </p:nvSpPr>
+        <p:spPr/>
+        <p:txBody>
+          <a:bodyPr/>
+          <a:lstStyle/>
+          <a:p>
+            <a:endParaRPr lang="en-US" dirty="0"/>
+          </a:p>
+        </p:txBody>
+      </p:sp>
+      <p:sp>
+        <p:nvSpPr>
+          <p:cNvPr id="4" name="Footer Placeholder 3"/>
+          <p:cNvSpPr>
+            <a:spLocks noGrp="1"/>
+          </p:cNvSpPr>
+          <p:nvPr>
+            <p:ph type="ftr" sz="quarter" idx="10"/>
+          </p:nvPr>
+        </p:nvSpPr>
+        <p:spPr/>
+        <p:txBody>
+          <a:bodyPr/>
+          <a:lstStyle/>
+          <a:p>
+            <a:pPr defTabSz="914099" eaLnBrk="0" hangingPunct="0"/>
+            <a:r>
+              <a:rPr lang="en-US" sz="400">
+                <a:gradFill>
+                  <a:gsLst>
+                    <a:gs pos="0">
+                      <a:prstClr val="black"/>
+                    </a:gs>
+                    <a:gs pos="100000">
+                      <a:prstClr val="black"/>
+                    </a:gs>
+                  </a:gsLst>
+                  <a:lin ang="5400000" scaled="0"/>
+                </a:gradFill>
+                <a:latin typeface="Segoe UI" pitchFamily="34" charset="0"/>
+                <a:ea typeface="Segoe UI" pitchFamily="34" charset="0"/>
+                <a:cs typeface="Segoe UI" pitchFamily="34" charset="0"/>
+              </a:rPr>
+              <a:t>© 2014 Microsoft Corporation. All rights reserved. Microsoft, Windows, and other product names are or may be registered trademarks and/or trademarks in the U.S. and/or other countries. The information herein is for informational purposes only and represents the current view of Microsoft Corporation as of the date of this presentation.  Because Microsoft must respond to changing market conditions, it should not be interpreted to be a commitment on the part of Microsoft, and Microsoft cannot guarantee the accuracy of any information provided after the date of this presentation.  MICROSOFT MAKES NO WARRANTIES, EXPRESS, IMPLIED OR STATUTORY, AS TO THE INFORMATION IN THIS PRESENTATION.</a:t>
+            </a:r>
+            <a:endParaRPr lang="en-US" sz="400" dirty="0">
+              <a:gradFill>
+                <a:gsLst>
+                  <a:gs pos="0">
+                    <a:prstClr val="black"/>
+                  </a:gs>
+                  <a:gs pos="100000">
+                    <a:prstClr val="black"/>
+                  </a:gs>
+                </a:gsLst>
+                <a:lin ang="5400000" scaled="0"/>
+              </a:gradFill>
+              <a:latin typeface="Segoe UI" pitchFamily="34" charset="0"/>
+              <a:ea typeface="Segoe UI" pitchFamily="34" charset="0"/>
+              <a:cs typeface="Segoe UI" pitchFamily="34" charset="0"/>
+            </a:endParaRPr>
+          </a:p>
+        </p:txBody>
+      </p:sp>
+      <p:sp>
+        <p:nvSpPr>
+          <p:cNvPr id="5" name="Date Placeholder 4"/>
+          <p:cNvSpPr>
+            <a:spLocks noGrp="1"/>
+          </p:cNvSpPr>
+          <p:nvPr>
+            <p:ph type="dt" idx="11"/>
+          </p:nvPr>
+        </p:nvSpPr>
+        <p:spPr/>
+        <p:txBody>
+          <a:bodyPr/>
+          <a:lstStyle/>
+          <a:p>
+            <a:fld id="{E74353ED-ACB2-44BF-A903-985B0AF962B7}" type="datetime1">
+              <a:rPr lang="en-US" smtClean="0"/>
+              <a:t>10/12/2016</a:t>
+            </a:fld>
+            <a:endParaRPr lang="en-US" dirty="0"/>
+          </a:p>
+        </p:txBody>
+      </p:sp>
+      <p:sp>
+        <p:nvSpPr>
+          <p:cNvPr id="6" name="Slide Number Placeholder 5"/>
+          <p:cNvSpPr>
+            <a:spLocks noGrp="1"/>
+          </p:cNvSpPr>
+          <p:nvPr>
+            <p:ph type="sldNum" sz="quarter" idx="12"/>
+          </p:nvPr>
+        </p:nvSpPr>
+        <p:spPr/>
+        <p:txBody>
+          <a:bodyPr/>
+          <a:lstStyle/>
+          <a:p>
+            <a:fld id="{B4008EB6-D09E-4580-8CD6-DDB14511944F}" type="slidenum">
+              <a:rPr lang="en-US" smtClean="0"/>
+              <a:pPr/>
+              <a:t>34</a:t>
+            </a:fld>
+            <a:endParaRPr lang="en-US" dirty="0"/>
+          </a:p>
+        </p:txBody>
+      </p:sp>
+    </p:spTree>
+    <p:extLst>
+      <p:ext uri="{BB962C8B-B14F-4D97-AF65-F5344CB8AC3E}">
+        <p14:creationId xmlns:p14="http://schemas.microsoft.com/office/powerpoint/2010/main" val="1645157642"/>
+      </p:ext>
+    </p:extLst>
+  </p:cSld>
+  <p:clrMapOvr>
+    <a:masterClrMapping/>
+  </p:clrMapOvr>
+</p:notes>
+</file>
+
+<file path=ppt/notesSlides/notesSlide34.xml><?xml version="1.0" encoding="utf-8"?>
+<p:notes xmlns:a="http://schemas.openxmlformats.org/drawingml/2006/main" xmlns:r="http://schemas.openxmlformats.org/officeDocument/2006/relationships" xmlns:p="http://schemas.openxmlformats.org/presentationml/2006/main">
+  <p:cSld>
+    <p:spTree>
+      <p:nvGrpSpPr>
+        <p:cNvPr id="1" name=""/>
+        <p:cNvGrpSpPr/>
+        <p:nvPr/>
+      </p:nvGrpSpPr>
+      <p:grpSpPr>
+        <a:xfrm>
+          <a:off x="0" y="0"/>
+          <a:ext cx="0" cy="0"/>
+          <a:chOff x="0" y="0"/>
+          <a:chExt cx="0" cy="0"/>
+        </a:xfrm>
+      </p:grpSpPr>
+      <p:sp>
+        <p:nvSpPr>
+          <p:cNvPr id="2" name="Slide Image Placeholder 1"/>
+          <p:cNvSpPr>
+            <a:spLocks noGrp="1" noRot="1" noChangeAspect="1"/>
+          </p:cNvSpPr>
+          <p:nvPr>
+            <p:ph type="sldImg"/>
+          </p:nvPr>
+        </p:nvSpPr>
+        <p:spPr/>
+      </p:sp>
+      <p:sp>
+        <p:nvSpPr>
+          <p:cNvPr id="3" name="Notes Placeholder 2"/>
+          <p:cNvSpPr>
+            <a:spLocks noGrp="1"/>
+          </p:cNvSpPr>
+          <p:nvPr>
+            <p:ph type="body" idx="1"/>
+          </p:nvPr>
+        </p:nvSpPr>
+        <p:spPr/>
+        <p:txBody>
+          <a:bodyPr/>
+          <a:lstStyle/>
+          <a:p>
+            <a:endParaRPr lang="en-US" dirty="0"/>
+          </a:p>
+        </p:txBody>
+      </p:sp>
+      <p:sp>
+        <p:nvSpPr>
+          <p:cNvPr id="4" name="Footer Placeholder 3"/>
+          <p:cNvSpPr>
+            <a:spLocks noGrp="1"/>
+          </p:cNvSpPr>
+          <p:nvPr>
+            <p:ph type="ftr" sz="quarter" idx="10"/>
+          </p:nvPr>
+        </p:nvSpPr>
+        <p:spPr/>
+        <p:txBody>
+          <a:bodyPr/>
+          <a:lstStyle/>
+          <a:p>
+            <a:pPr defTabSz="914099" eaLnBrk="0" hangingPunct="0"/>
+            <a:r>
+              <a:rPr lang="en-US" sz="400">
+                <a:gradFill>
+                  <a:gsLst>
+                    <a:gs pos="0">
+                      <a:prstClr val="black"/>
+                    </a:gs>
+                    <a:gs pos="100000">
+                      <a:prstClr val="black"/>
+                    </a:gs>
+                  </a:gsLst>
+                  <a:lin ang="5400000" scaled="0"/>
+                </a:gradFill>
+                <a:latin typeface="Segoe UI" pitchFamily="34" charset="0"/>
+                <a:ea typeface="Segoe UI" pitchFamily="34" charset="0"/>
+                <a:cs typeface="Segoe UI" pitchFamily="34" charset="0"/>
+              </a:rPr>
+              <a:t>© 2014 Microsoft Corporation. All rights reserved. Microsoft, Windows, and other product names are or may be registered trademarks and/or trademarks in the U.S. and/or other countries. The information herein is for informational purposes only and represents the current view of Microsoft Corporation as of the date of this presentation.  Because Microsoft must respond to changing market conditions, it should not be interpreted to be a commitment on the part of Microsoft, and Microsoft cannot guarantee the accuracy of any information provided after the date of this presentation.  MICROSOFT MAKES NO WARRANTIES, EXPRESS, IMPLIED OR STATUTORY, AS TO THE INFORMATION IN THIS PRESENTATION.</a:t>
+            </a:r>
+            <a:endParaRPr lang="en-US" sz="400" dirty="0">
+              <a:gradFill>
+                <a:gsLst>
+                  <a:gs pos="0">
+                    <a:prstClr val="black"/>
+                  </a:gs>
+                  <a:gs pos="100000">
+                    <a:prstClr val="black"/>
+                  </a:gs>
+                </a:gsLst>
+                <a:lin ang="5400000" scaled="0"/>
+              </a:gradFill>
+              <a:latin typeface="Segoe UI" pitchFamily="34" charset="0"/>
+              <a:ea typeface="Segoe UI" pitchFamily="34" charset="0"/>
+              <a:cs typeface="Segoe UI" pitchFamily="34" charset="0"/>
+            </a:endParaRPr>
+          </a:p>
+        </p:txBody>
+      </p:sp>
+      <p:sp>
+        <p:nvSpPr>
+          <p:cNvPr id="5" name="Date Placeholder 4"/>
+          <p:cNvSpPr>
+            <a:spLocks noGrp="1"/>
+          </p:cNvSpPr>
+          <p:nvPr>
+            <p:ph type="dt" idx="11"/>
+          </p:nvPr>
+        </p:nvSpPr>
+        <p:spPr/>
+        <p:txBody>
+          <a:bodyPr/>
+          <a:lstStyle/>
+          <a:p>
+            <a:fld id="{E74353ED-ACB2-44BF-A903-985B0AF962B7}" type="datetime1">
+              <a:rPr lang="en-US" smtClean="0"/>
+              <a:t>10/12/2016</a:t>
+            </a:fld>
+            <a:endParaRPr lang="en-US" dirty="0"/>
+          </a:p>
+        </p:txBody>
+      </p:sp>
+      <p:sp>
+        <p:nvSpPr>
+          <p:cNvPr id="6" name="Slide Number Placeholder 5"/>
+          <p:cNvSpPr>
+            <a:spLocks noGrp="1"/>
+          </p:cNvSpPr>
+          <p:nvPr>
+            <p:ph type="sldNum" sz="quarter" idx="12"/>
+          </p:nvPr>
+        </p:nvSpPr>
+        <p:spPr/>
+        <p:txBody>
+          <a:bodyPr/>
+          <a:lstStyle/>
+          <a:p>
+            <a:fld id="{B4008EB6-D09E-4580-8CD6-DDB14511944F}" type="slidenum">
+              <a:rPr lang="en-US" smtClean="0"/>
+              <a:pPr/>
+              <a:t>35</a:t>
+            </a:fld>
+            <a:endParaRPr lang="en-US" dirty="0"/>
+          </a:p>
+        </p:txBody>
+      </p:sp>
+    </p:spTree>
+    <p:extLst>
+      <p:ext uri="{BB962C8B-B14F-4D97-AF65-F5344CB8AC3E}">
+        <p14:creationId xmlns:p14="http://schemas.microsoft.com/office/powerpoint/2010/main" val="331926160"/>
+      </p:ext>
+    </p:extLst>
+  </p:cSld>
+  <p:clrMapOvr>
+    <a:masterClrMapping/>
+  </p:clrMapOvr>
+</p:notes>
+</file>
+
+<file path=ppt/notesSlides/notesSlide35.xml><?xml version="1.0" encoding="utf-8"?>
+<p:notes xmlns:a="http://schemas.openxmlformats.org/drawingml/2006/main" xmlns:r="http://schemas.openxmlformats.org/officeDocument/2006/relationships" xmlns:p="http://schemas.openxmlformats.org/presentationml/2006/main">
+  <p:cSld>
+    <p:spTree>
+      <p:nvGrpSpPr>
+        <p:cNvPr id="1" name=""/>
+        <p:cNvGrpSpPr/>
+        <p:nvPr/>
+      </p:nvGrpSpPr>
+      <p:grpSpPr>
+        <a:xfrm>
+          <a:off x="0" y="0"/>
+          <a:ext cx="0" cy="0"/>
+          <a:chOff x="0" y="0"/>
+          <a:chExt cx="0" cy="0"/>
+        </a:xfrm>
+      </p:grpSpPr>
+      <p:sp>
+        <p:nvSpPr>
+          <p:cNvPr id="2" name="Slide Image Placeholder 1"/>
+          <p:cNvSpPr>
+            <a:spLocks noGrp="1" noRot="1" noChangeAspect="1"/>
+          </p:cNvSpPr>
+          <p:nvPr>
+            <p:ph type="sldImg"/>
+          </p:nvPr>
+        </p:nvSpPr>
+        <p:spPr/>
+      </p:sp>
+      <p:sp>
+        <p:nvSpPr>
+          <p:cNvPr id="3" name="Notes Placeholder 2"/>
+          <p:cNvSpPr>
+            <a:spLocks noGrp="1"/>
+          </p:cNvSpPr>
+          <p:nvPr>
+            <p:ph type="body" idx="1"/>
+          </p:nvPr>
+        </p:nvSpPr>
+        <p:spPr/>
+        <p:txBody>
+          <a:bodyPr/>
+          <a:lstStyle/>
+          <a:p>
+            <a:endParaRPr lang="en-US" dirty="0"/>
+          </a:p>
+        </p:txBody>
+      </p:sp>
+      <p:sp>
+        <p:nvSpPr>
+          <p:cNvPr id="4" name="Footer Placeholder 3"/>
+          <p:cNvSpPr>
+            <a:spLocks noGrp="1"/>
+          </p:cNvSpPr>
+          <p:nvPr>
+            <p:ph type="ftr" sz="quarter" idx="10"/>
+          </p:nvPr>
+        </p:nvSpPr>
+        <p:spPr/>
+        <p:txBody>
+          <a:bodyPr/>
+          <a:lstStyle/>
+          <a:p>
+            <a:pPr defTabSz="914099" eaLnBrk="0" hangingPunct="0"/>
+            <a:r>
+              <a:rPr lang="en-US" sz="400">
+                <a:gradFill>
+                  <a:gsLst>
+                    <a:gs pos="0">
+                      <a:prstClr val="black"/>
+                    </a:gs>
+                    <a:gs pos="100000">
+                      <a:prstClr val="black"/>
+                    </a:gs>
+                  </a:gsLst>
+                  <a:lin ang="5400000" scaled="0"/>
+                </a:gradFill>
+                <a:latin typeface="Segoe UI" pitchFamily="34" charset="0"/>
+                <a:ea typeface="Segoe UI" pitchFamily="34" charset="0"/>
+                <a:cs typeface="Segoe UI" pitchFamily="34" charset="0"/>
+              </a:rPr>
+              <a:t>© 2014 Microsoft Corporation. All rights reserved. Microsoft, Windows, and other product names are or may be registered trademarks and/or trademarks in the U.S. and/or other countries. The information herein is for informational purposes only and represents the current view of Microsoft Corporation as of the date of this presentation.  Because Microsoft must respond to changing market conditions, it should not be interpreted to be a commitment on the part of Microsoft, and Microsoft cannot guarantee the accuracy of any information provided after the date of this presentation.  MICROSOFT MAKES NO WARRANTIES, EXPRESS, IMPLIED OR STATUTORY, AS TO THE INFORMATION IN THIS PRESENTATION.</a:t>
+            </a:r>
+            <a:endParaRPr lang="en-US" sz="400" dirty="0">
+              <a:gradFill>
+                <a:gsLst>
+                  <a:gs pos="0">
+                    <a:prstClr val="black"/>
+                  </a:gs>
+                  <a:gs pos="100000">
+                    <a:prstClr val="black"/>
+                  </a:gs>
+                </a:gsLst>
+                <a:lin ang="5400000" scaled="0"/>
+              </a:gradFill>
+              <a:latin typeface="Segoe UI" pitchFamily="34" charset="0"/>
+              <a:ea typeface="Segoe UI" pitchFamily="34" charset="0"/>
+              <a:cs typeface="Segoe UI" pitchFamily="34" charset="0"/>
+            </a:endParaRPr>
+          </a:p>
+        </p:txBody>
+      </p:sp>
+      <p:sp>
+        <p:nvSpPr>
+          <p:cNvPr id="5" name="Date Placeholder 4"/>
+          <p:cNvSpPr>
+            <a:spLocks noGrp="1"/>
+          </p:cNvSpPr>
+          <p:nvPr>
+            <p:ph type="dt" idx="11"/>
+          </p:nvPr>
+        </p:nvSpPr>
+        <p:spPr/>
+        <p:txBody>
+          <a:bodyPr/>
+          <a:lstStyle/>
+          <a:p>
+            <a:fld id="{E74353ED-ACB2-44BF-A903-985B0AF962B7}" type="datetime1">
+              <a:rPr lang="en-US" smtClean="0"/>
+              <a:t>10/12/2016</a:t>
+            </a:fld>
+            <a:endParaRPr lang="en-US" dirty="0"/>
+          </a:p>
+        </p:txBody>
+      </p:sp>
+      <p:sp>
+        <p:nvSpPr>
+          <p:cNvPr id="6" name="Slide Number Placeholder 5"/>
+          <p:cNvSpPr>
+            <a:spLocks noGrp="1"/>
+          </p:cNvSpPr>
+          <p:nvPr>
+            <p:ph type="sldNum" sz="quarter" idx="12"/>
+          </p:nvPr>
+        </p:nvSpPr>
+        <p:spPr/>
+        <p:txBody>
+          <a:bodyPr/>
+          <a:lstStyle/>
+          <a:p>
+            <a:fld id="{B4008EB6-D09E-4580-8CD6-DDB14511944F}" type="slidenum">
+              <a:rPr lang="en-US" smtClean="0"/>
+              <a:pPr/>
+              <a:t>36</a:t>
+            </a:fld>
+            <a:endParaRPr lang="en-US" dirty="0"/>
+          </a:p>
+        </p:txBody>
+      </p:sp>
+    </p:spTree>
+    <p:extLst>
+      <p:ext uri="{BB962C8B-B14F-4D97-AF65-F5344CB8AC3E}">
+        <p14:creationId xmlns:p14="http://schemas.microsoft.com/office/powerpoint/2010/main" val="2031415334"/>
       </p:ext>
     </p:extLst>
   </p:cSld>
@@ -8545,8 +9686,8 @@
         </p:nvSpPr>
         <p:spPr>
           <a:xfrm>
-            <a:off x="982785" y="450200"/>
-            <a:ext cx="9860672" cy="821722"/>
+            <a:off x="982785" y="450199"/>
+            <a:ext cx="9860672" cy="1173505"/>
           </a:xfrm>
           <a:prstGeom prst="rect">
             <a:avLst/>
@@ -8590,9 +9731,15 @@
           <a:p>
             <a:r>
               <a:rPr lang="en-GB" b="1" dirty="0"/>
-              <a:t>Azure Deployment Templates</a:t>
-            </a:r>
-            <a:endParaRPr lang="en-US" b="1" dirty="0"/>
+              <a:t>Setup backend web app</a:t>
+            </a:r>
+          </a:p>
+          <a:p>
+            <a:r>
+              <a:rPr lang="en-GB" sz="2800" b="1" dirty="0"/>
+              <a:t>With Azure Deployment Templates</a:t>
+            </a:r>
+            <a:endParaRPr lang="en-US" sz="2800" b="1" dirty="0"/>
           </a:p>
         </p:txBody>
       </p:sp>
@@ -9165,10 +10312,27 @@
           </a:lstStyle>
           <a:p>
             <a:r>
-              <a:rPr lang="en-GB" sz="4000" b="1" dirty="0"/>
+              <a:rPr lang="en-GB" sz="3600" b="1" dirty="0"/>
+              <a:t>Deploy </a:t>
+            </a:r>
+            <a:r>
+              <a:rPr lang="en-US" sz="3600" dirty="0" err="1">
+                <a:hlinkClick r:id="rId5"/>
+              </a:rPr>
+              <a:t>Xamarin.Azure.Backend</a:t>
+            </a:r>
+            <a:endParaRPr lang="en-US" sz="3600" dirty="0"/>
+          </a:p>
+          <a:p>
+            <a:r>
+              <a:rPr lang="en-US" sz="2400" b="1" dirty="0"/>
+              <a:t>With </a:t>
+            </a:r>
+            <a:r>
+              <a:rPr lang="en-GB" sz="2400" b="1" dirty="0"/>
               <a:t>Azure Deployment Templates</a:t>
             </a:r>
-            <a:endParaRPr lang="en-US" sz="4000" b="1" dirty="0"/>
+            <a:endParaRPr lang="en-US" sz="2400" b="1" dirty="0"/>
           </a:p>
         </p:txBody>
       </p:sp>
@@ -9245,7 +10409,7 @@
           <p:nvPr/>
         </p:nvPicPr>
         <p:blipFill>
-          <a:blip r:embed="rId5"/>
+          <a:blip r:embed="rId6"/>
           <a:stretch>
             <a:fillRect/>
           </a:stretch>
@@ -9269,7 +10433,7 @@
           <p:nvPr/>
         </p:nvPicPr>
         <p:blipFill>
-          <a:blip r:embed="rId6"/>
+          <a:blip r:embed="rId7"/>
           <a:stretch>
             <a:fillRect/>
           </a:stretch>
@@ -15637,7 +16801,7 @@
         </p:nvSpPr>
         <p:spPr>
           <a:xfrm>
-            <a:off x="114300" y="1996401"/>
+            <a:off x="425320" y="2767732"/>
             <a:ext cx="13239750" cy="3293209"/>
           </a:xfrm>
           <a:prstGeom prst="rect">
@@ -16800,7 +17964,7 @@
         </p:nvSpPr>
         <p:spPr>
           <a:xfrm>
-            <a:off x="101600" y="1720840"/>
+            <a:off x="238449" y="2809412"/>
             <a:ext cx="13449300" cy="1815882"/>
           </a:xfrm>
           <a:prstGeom prst="rect">
@@ -17547,6 +18711,30 @@
           </a:p>
         </p:txBody>
       </p:sp>
+      <p:pic>
+        <p:nvPicPr>
+          <p:cNvPr id="9" name="Picture 8"/>
+          <p:cNvPicPr>
+            <a:picLocks noChangeAspect="1"/>
+          </p:cNvPicPr>
+          <p:nvPr/>
+        </p:nvPicPr>
+        <p:blipFill>
+          <a:blip r:embed="rId5"/>
+          <a:stretch>
+            <a:fillRect/>
+          </a:stretch>
+        </p:blipFill>
+        <p:spPr>
+          <a:xfrm>
+            <a:off x="10010877" y="313645"/>
+            <a:ext cx="1665159" cy="1094831"/>
+          </a:xfrm>
+          <a:prstGeom prst="rect">
+            <a:avLst/>
+          </a:prstGeom>
+        </p:spPr>
+      </p:pic>
     </p:spTree>
     <p:extLst>
       <p:ext uri="{BB962C8B-B14F-4D97-AF65-F5344CB8AC3E}">
@@ -17641,6 +18829,219 @@
           </a:p>
         </p:txBody>
       </p:sp>
+      <p:sp>
+        <p:nvSpPr>
+          <p:cNvPr id="3" name="Title 1"/>
+          <p:cNvSpPr txBox="1">
+            <a:spLocks/>
+          </p:cNvSpPr>
+          <p:nvPr/>
+        </p:nvSpPr>
+        <p:spPr>
+          <a:xfrm>
+            <a:off x="982785" y="450200"/>
+            <a:ext cx="9860672" cy="1231314"/>
+          </a:xfrm>
+          <a:prstGeom prst="rect">
+            <a:avLst/>
+          </a:prstGeom>
+        </p:spPr>
+        <p:txBody>
+          <a:bodyPr vert="horz" wrap="square" lIns="143428" tIns="89642" rIns="143428" bIns="89642" rtlCol="0" anchor="t">
+            <a:noAutofit/>
+          </a:bodyPr>
+          <a:lstStyle>
+            <a:lvl1pPr algn="l" defTabSz="932742" rtl="0" eaLnBrk="1" latinLnBrk="0" hangingPunct="1">
+              <a:lnSpc>
+                <a:spcPct val="90000"/>
+              </a:lnSpc>
+              <a:spcBef>
+                <a:spcPct val="0"/>
+              </a:spcBef>
+              <a:buNone/>
+              <a:defRPr lang="en-US" sz="4800" b="0" kern="1200" cap="none" spc="-102" baseline="0">
+                <a:ln w="3175">
+                  <a:noFill/>
+                </a:ln>
+                <a:gradFill>
+                  <a:gsLst>
+                    <a:gs pos="1250">
+                      <a:schemeClr val="tx1"/>
+                    </a:gs>
+                    <a:gs pos="100000">
+                      <a:schemeClr val="tx1"/>
+                    </a:gs>
+                  </a:gsLst>
+                  <a:lin ang="5400000" scaled="0"/>
+                </a:gradFill>
+                <a:effectLst/>
+                <a:latin typeface="+mj-lt"/>
+                <a:ea typeface="+mn-ea"/>
+                <a:cs typeface="Segoe UI" pitchFamily="34" charset="0"/>
+              </a:defRPr>
+            </a:lvl1pPr>
+          </a:lstStyle>
+          <a:p>
+            <a:r>
+              <a:rPr lang="en-GB" sz="4400" b="1" dirty="0"/>
+              <a:t>Offline Data Sync:</a:t>
+            </a:r>
+          </a:p>
+          <a:p>
+            <a:r>
+              <a:rPr lang="en-GB" sz="2800" b="1" dirty="0"/>
+              <a:t>Allow your app to work offline and sync after with Offline Data Sync</a:t>
+            </a:r>
+            <a:endParaRPr lang="en-US" b="1" dirty="0"/>
+          </a:p>
+        </p:txBody>
+      </p:sp>
+      <p:pic>
+        <p:nvPicPr>
+          <p:cNvPr id="2" name="Picture 1"/>
+          <p:cNvPicPr>
+            <a:picLocks noChangeAspect="1"/>
+          </p:cNvPicPr>
+          <p:nvPr/>
+        </p:nvPicPr>
+        <p:blipFill>
+          <a:blip r:embed="rId4"/>
+          <a:stretch>
+            <a:fillRect/>
+          </a:stretch>
+        </p:blipFill>
+        <p:spPr>
+          <a:xfrm>
+            <a:off x="10543216" y="95549"/>
+            <a:ext cx="1531024" cy="1531024"/>
+          </a:xfrm>
+          <a:prstGeom prst="rect">
+            <a:avLst/>
+          </a:prstGeom>
+        </p:spPr>
+      </p:pic>
+      <p:sp>
+        <p:nvSpPr>
+          <p:cNvPr id="5" name="TextBox 4"/>
+          <p:cNvSpPr txBox="1"/>
+          <p:nvPr/>
+        </p:nvSpPr>
+        <p:spPr>
+          <a:xfrm>
+            <a:off x="982785" y="1958811"/>
+            <a:ext cx="11364683" cy="4604337"/>
+          </a:xfrm>
+          <a:prstGeom prst="rect">
+            <a:avLst/>
+          </a:prstGeom>
+          <a:noFill/>
+        </p:spPr>
+        <p:txBody>
+          <a:bodyPr wrap="square" lIns="182880" tIns="146304" rIns="182880" bIns="146304" rtlCol="0">
+            <a:spAutoFit/>
+          </a:bodyPr>
+          <a:lstStyle/>
+          <a:p>
+            <a:r>
+              <a:rPr lang="en-GB" sz="2000" dirty="0"/>
+              <a:t>Mobile users need to access data at all times, on and offline. Use offline data sync to make sure your users can view, create, and modify data, even when they experience connectivity issues or are offline.</a:t>
+            </a:r>
+          </a:p>
+          <a:p>
+            <a:endParaRPr lang="en-GB" sz="2000" dirty="0"/>
+          </a:p>
+          <a:p>
+            <a:r>
+              <a:rPr lang="en-GB" sz="2000" dirty="0"/>
+              <a:t>The Azure Mobile SDK includes offline data sync capabilities, creating apps that remain functional without a network connection. When apps are in offline mode, users can access, create, and modify data of any type. Changes are stored locally, and, when the app detects a network connection, checks for conflicts with Azure Mobile App backend, and synchronizes locally stored data accordingly.</a:t>
+            </a:r>
+          </a:p>
+          <a:p>
+            <a:endParaRPr lang="en-GB" sz="2000" dirty="0"/>
+          </a:p>
+          <a:p>
+            <a:r>
+              <a:rPr lang="en-GB" sz="2000" dirty="0"/>
+              <a:t>When your app is in offline mode, users can still create and modify data, which will be saved to a local store. When the app is back online, it can synchronize local changes with your Azure Mobile App backend. </a:t>
+            </a:r>
+          </a:p>
+          <a:p>
+            <a:endParaRPr lang="en-GB" sz="2000" dirty="0"/>
+          </a:p>
+        </p:txBody>
+      </p:sp>
+      <p:pic>
+        <p:nvPicPr>
+          <p:cNvPr id="6" name="Picture 5"/>
+          <p:cNvPicPr>
+            <a:picLocks noChangeAspect="1"/>
+          </p:cNvPicPr>
+          <p:nvPr/>
+        </p:nvPicPr>
+        <p:blipFill>
+          <a:blip r:embed="rId5"/>
+          <a:stretch>
+            <a:fillRect/>
+          </a:stretch>
+        </p:blipFill>
+        <p:spPr>
+          <a:xfrm>
+            <a:off x="98184" y="5154593"/>
+            <a:ext cx="957598" cy="957598"/>
+          </a:xfrm>
+          <a:prstGeom prst="rect">
+            <a:avLst/>
+          </a:prstGeom>
+        </p:spPr>
+      </p:pic>
+      <p:pic>
+        <p:nvPicPr>
+          <p:cNvPr id="7" name="Picture 6"/>
+          <p:cNvPicPr>
+            <a:picLocks noChangeAspect="1"/>
+          </p:cNvPicPr>
+          <p:nvPr/>
+        </p:nvPicPr>
+        <p:blipFill>
+          <a:blip r:embed="rId6"/>
+          <a:stretch>
+            <a:fillRect/>
+          </a:stretch>
+        </p:blipFill>
+        <p:spPr>
+          <a:xfrm>
+            <a:off x="98184" y="3510980"/>
+            <a:ext cx="989310" cy="1001617"/>
+          </a:xfrm>
+          <a:prstGeom prst="rect">
+            <a:avLst/>
+          </a:prstGeom>
+        </p:spPr>
+      </p:pic>
+      <p:pic>
+        <p:nvPicPr>
+          <p:cNvPr id="9" name="Picture 8"/>
+          <p:cNvPicPr>
+            <a:picLocks noChangeAspect="1"/>
+          </p:cNvPicPr>
+          <p:nvPr/>
+        </p:nvPicPr>
+        <p:blipFill>
+          <a:blip r:embed="rId7"/>
+          <a:stretch>
+            <a:fillRect/>
+          </a:stretch>
+        </p:blipFill>
+        <p:spPr>
+          <a:xfrm>
+            <a:off x="98184" y="2113681"/>
+            <a:ext cx="989434" cy="989434"/>
+          </a:xfrm>
+          <a:prstGeom prst="rect">
+            <a:avLst/>
+          </a:prstGeom>
+        </p:spPr>
+      </p:pic>
     </p:spTree>
     <p:extLst>
       <p:ext uri="{BB962C8B-B14F-4D97-AF65-F5344CB8AC3E}">
@@ -17735,6 +19136,3220 @@
           </a:p>
         </p:txBody>
       </p:sp>
+      <p:sp>
+        <p:nvSpPr>
+          <p:cNvPr id="3" name="Title 1"/>
+          <p:cNvSpPr txBox="1">
+            <a:spLocks/>
+          </p:cNvSpPr>
+          <p:nvPr/>
+        </p:nvSpPr>
+        <p:spPr>
+          <a:xfrm>
+            <a:off x="982785" y="450200"/>
+            <a:ext cx="9860672" cy="1231314"/>
+          </a:xfrm>
+          <a:prstGeom prst="rect">
+            <a:avLst/>
+          </a:prstGeom>
+        </p:spPr>
+        <p:txBody>
+          <a:bodyPr vert="horz" wrap="square" lIns="143428" tIns="89642" rIns="143428" bIns="89642" rtlCol="0" anchor="t">
+            <a:noAutofit/>
+          </a:bodyPr>
+          <a:lstStyle>
+            <a:lvl1pPr algn="l" defTabSz="932742" rtl="0" eaLnBrk="1" latinLnBrk="0" hangingPunct="1">
+              <a:lnSpc>
+                <a:spcPct val="90000"/>
+              </a:lnSpc>
+              <a:spcBef>
+                <a:spcPct val="0"/>
+              </a:spcBef>
+              <a:buNone/>
+              <a:defRPr lang="en-US" sz="4800" b="0" kern="1200" cap="none" spc="-102" baseline="0">
+                <a:ln w="3175">
+                  <a:noFill/>
+                </a:ln>
+                <a:gradFill>
+                  <a:gsLst>
+                    <a:gs pos="1250">
+                      <a:schemeClr val="tx1"/>
+                    </a:gs>
+                    <a:gs pos="100000">
+                      <a:schemeClr val="tx1"/>
+                    </a:gs>
+                  </a:gsLst>
+                  <a:lin ang="5400000" scaled="0"/>
+                </a:gradFill>
+                <a:effectLst/>
+                <a:latin typeface="+mj-lt"/>
+                <a:ea typeface="+mn-ea"/>
+                <a:cs typeface="Segoe UI" pitchFamily="34" charset="0"/>
+              </a:defRPr>
+            </a:lvl1pPr>
+          </a:lstStyle>
+          <a:p>
+            <a:r>
+              <a:rPr lang="en-GB" sz="4400" b="1" dirty="0"/>
+              <a:t>Offline Data Sync:</a:t>
+            </a:r>
+          </a:p>
+          <a:p>
+            <a:r>
+              <a:rPr lang="en-GB" sz="2800" b="1" dirty="0"/>
+              <a:t>Allow your app to work offline and sync after with Offline Data Sync</a:t>
+            </a:r>
+            <a:endParaRPr lang="en-US" b="1" dirty="0"/>
+          </a:p>
+        </p:txBody>
+      </p:sp>
+      <p:pic>
+        <p:nvPicPr>
+          <p:cNvPr id="2" name="Picture 1"/>
+          <p:cNvPicPr>
+            <a:picLocks noChangeAspect="1"/>
+          </p:cNvPicPr>
+          <p:nvPr/>
+        </p:nvPicPr>
+        <p:blipFill>
+          <a:blip r:embed="rId4"/>
+          <a:stretch>
+            <a:fillRect/>
+          </a:stretch>
+        </p:blipFill>
+        <p:spPr>
+          <a:xfrm>
+            <a:off x="10543216" y="95549"/>
+            <a:ext cx="1531024" cy="1531024"/>
+          </a:xfrm>
+          <a:prstGeom prst="rect">
+            <a:avLst/>
+          </a:prstGeom>
+        </p:spPr>
+      </p:pic>
+      <p:sp>
+        <p:nvSpPr>
+          <p:cNvPr id="5" name="TextBox 4"/>
+          <p:cNvSpPr txBox="1"/>
+          <p:nvPr/>
+        </p:nvSpPr>
+        <p:spPr>
+          <a:xfrm>
+            <a:off x="1044536" y="1981224"/>
+            <a:ext cx="11364683" cy="3619452"/>
+          </a:xfrm>
+          <a:prstGeom prst="rect">
+            <a:avLst/>
+          </a:prstGeom>
+          <a:noFill/>
+        </p:spPr>
+        <p:txBody>
+          <a:bodyPr wrap="square" lIns="182880" tIns="146304" rIns="182880" bIns="146304" rtlCol="0">
+            <a:spAutoFit/>
+          </a:bodyPr>
+          <a:lstStyle/>
+          <a:p>
+            <a:r>
+              <a:rPr lang="en-GB" dirty="0"/>
+              <a:t>The feature also includes support for detecting conflicts when the same record is changed on both the client and the backend. Conflicts can then be handled either on the server or the client.</a:t>
+            </a:r>
+            <a:endParaRPr lang="en-GB" dirty="0">
+              <a:gradFill>
+                <a:gsLst>
+                  <a:gs pos="2917">
+                    <a:schemeClr val="tx1"/>
+                  </a:gs>
+                  <a:gs pos="30000">
+                    <a:schemeClr val="tx1"/>
+                  </a:gs>
+                </a:gsLst>
+                <a:lin ang="5400000" scaled="0"/>
+              </a:gradFill>
+            </a:endParaRPr>
+          </a:p>
+          <a:p>
+            <a:endParaRPr lang="en-GB" dirty="0"/>
+          </a:p>
+          <a:p>
+            <a:endParaRPr lang="en-GB" dirty="0"/>
+          </a:p>
+          <a:p>
+            <a:r>
+              <a:rPr lang="en-GB" dirty="0"/>
+              <a:t>Apps render information from a remote server. When users experience connectivity issues or are offline, a common development practice is to keep a local version of the information. However, this approach is not optimal.</a:t>
+            </a:r>
+          </a:p>
+          <a:p>
+            <a:endParaRPr lang="en-GB" dirty="0"/>
+          </a:p>
+          <a:p>
+            <a:endParaRPr lang="en-GB" dirty="0"/>
+          </a:p>
+          <a:p>
+            <a:r>
+              <a:rPr lang="en-GB" dirty="0"/>
+              <a:t>Azure’s Offline Data Sync helps developers solve offline scenarios with few lines of code. Offline Data Sync allows to push and pull data on demand. If eventually the Internet connection breaks up, the client automatically pulls data recovers from local storage.</a:t>
+            </a:r>
+          </a:p>
+        </p:txBody>
+      </p:sp>
+      <p:pic>
+        <p:nvPicPr>
+          <p:cNvPr id="10" name="Picture 9"/>
+          <p:cNvPicPr>
+            <a:picLocks noChangeAspect="1"/>
+          </p:cNvPicPr>
+          <p:nvPr/>
+        </p:nvPicPr>
+        <p:blipFill>
+          <a:blip r:embed="rId5"/>
+          <a:stretch>
+            <a:fillRect/>
+          </a:stretch>
+        </p:blipFill>
+        <p:spPr>
+          <a:xfrm>
+            <a:off x="55226" y="4448577"/>
+            <a:ext cx="989310" cy="1001617"/>
+          </a:xfrm>
+          <a:prstGeom prst="rect">
+            <a:avLst/>
+          </a:prstGeom>
+        </p:spPr>
+      </p:pic>
+      <p:pic>
+        <p:nvPicPr>
+          <p:cNvPr id="12" name="Picture 11"/>
+          <p:cNvPicPr>
+            <a:picLocks noChangeAspect="1"/>
+          </p:cNvPicPr>
+          <p:nvPr/>
+        </p:nvPicPr>
+        <p:blipFill>
+          <a:blip r:embed="rId6"/>
+          <a:stretch>
+            <a:fillRect/>
+          </a:stretch>
+        </p:blipFill>
+        <p:spPr>
+          <a:xfrm>
+            <a:off x="130134" y="3211830"/>
+            <a:ext cx="914402" cy="914402"/>
+          </a:xfrm>
+          <a:prstGeom prst="rect">
+            <a:avLst/>
+          </a:prstGeom>
+        </p:spPr>
+      </p:pic>
+      <p:pic>
+        <p:nvPicPr>
+          <p:cNvPr id="13" name="Picture 12"/>
+          <p:cNvPicPr>
+            <a:picLocks noChangeAspect="1"/>
+          </p:cNvPicPr>
+          <p:nvPr/>
+        </p:nvPicPr>
+        <p:blipFill>
+          <a:blip r:embed="rId7"/>
+          <a:stretch>
+            <a:fillRect/>
+          </a:stretch>
+        </p:blipFill>
+        <p:spPr>
+          <a:xfrm>
+            <a:off x="130134" y="2036165"/>
+            <a:ext cx="957598" cy="699607"/>
+          </a:xfrm>
+          <a:prstGeom prst="rect">
+            <a:avLst/>
+          </a:prstGeom>
+        </p:spPr>
+      </p:pic>
+    </p:spTree>
+    <p:extLst>
+      <p:ext uri="{BB962C8B-B14F-4D97-AF65-F5344CB8AC3E}">
+        <p14:creationId xmlns:p14="http://schemas.microsoft.com/office/powerpoint/2010/main" val="453597406"/>
+      </p:ext>
+    </p:extLst>
+  </p:cSld>
+  <p:clrMapOvr>
+    <a:masterClrMapping/>
+  </p:clrMapOvr>
+  <p:transition>
+    <p:fade/>
+  </p:transition>
+</p:sld>
+</file>
+
+<file path=ppt/slides/slide29.xml><?xml version="1.0" encoding="utf-8"?>
+<p:sld xmlns:a="http://schemas.openxmlformats.org/drawingml/2006/main" xmlns:r="http://schemas.openxmlformats.org/officeDocument/2006/relationships" xmlns:p="http://schemas.openxmlformats.org/presentationml/2006/main">
+  <p:cSld>
+    <p:bg>
+      <p:bgPr>
+        <a:blipFill dpi="0" rotWithShape="1">
+          <a:blip r:embed="rId3">
+            <a:alphaModFix amt="12000"/>
+            <a:lum/>
+          </a:blip>
+          <a:srcRect/>
+          <a:stretch>
+            <a:fillRect l="-45000" t="-39000" r="45000" b="-39000"/>
+          </a:stretch>
+        </a:blipFill>
+        <a:effectLst/>
+      </p:bgPr>
+    </p:bg>
+    <p:spTree>
+      <p:nvGrpSpPr>
+        <p:cNvPr id="1" name=""/>
+        <p:cNvGrpSpPr/>
+        <p:nvPr/>
+      </p:nvGrpSpPr>
+      <p:grpSpPr>
+        <a:xfrm>
+          <a:off x="0" y="0"/>
+          <a:ext cx="0" cy="0"/>
+          <a:chOff x="0" y="0"/>
+          <a:chExt cx="0" cy="0"/>
+        </a:xfrm>
+      </p:grpSpPr>
+      <p:sp>
+        <p:nvSpPr>
+          <p:cNvPr id="8" name="TextBox 7"/>
+          <p:cNvSpPr txBox="1"/>
+          <p:nvPr/>
+        </p:nvSpPr>
+        <p:spPr>
+          <a:xfrm>
+            <a:off x="4145965" y="-846623"/>
+            <a:ext cx="362072" cy="621556"/>
+          </a:xfrm>
+          <a:prstGeom prst="rect">
+            <a:avLst/>
+          </a:prstGeom>
+          <a:noFill/>
+        </p:spPr>
+        <p:txBody>
+          <a:bodyPr wrap="none" lIns="179285" tIns="143428" rIns="179285" bIns="143428" rtlCol="0">
+            <a:spAutoFit/>
+          </a:bodyPr>
+          <a:lstStyle/>
+          <a:p>
+            <a:pPr>
+              <a:lnSpc>
+                <a:spcPct val="90000"/>
+              </a:lnSpc>
+              <a:spcAft>
+                <a:spcPts val="588"/>
+              </a:spcAft>
+            </a:pPr>
+            <a:endParaRPr lang="en-US" sz="2353" dirty="0" err="1">
+              <a:gradFill>
+                <a:gsLst>
+                  <a:gs pos="2917">
+                    <a:schemeClr val="tx1"/>
+                  </a:gs>
+                  <a:gs pos="30000">
+                    <a:schemeClr val="tx1"/>
+                  </a:gs>
+                </a:gsLst>
+                <a:lin ang="5400000" scaled="0"/>
+              </a:gradFill>
+            </a:endParaRPr>
+          </a:p>
+        </p:txBody>
+      </p:sp>
+      <p:sp>
+        <p:nvSpPr>
+          <p:cNvPr id="3" name="Title 1"/>
+          <p:cNvSpPr txBox="1">
+            <a:spLocks/>
+          </p:cNvSpPr>
+          <p:nvPr/>
+        </p:nvSpPr>
+        <p:spPr>
+          <a:xfrm>
+            <a:off x="982785" y="450200"/>
+            <a:ext cx="9860672" cy="1231314"/>
+          </a:xfrm>
+          <a:prstGeom prst="rect">
+            <a:avLst/>
+          </a:prstGeom>
+        </p:spPr>
+        <p:txBody>
+          <a:bodyPr vert="horz" wrap="square" lIns="143428" tIns="89642" rIns="143428" bIns="89642" rtlCol="0" anchor="t">
+            <a:noAutofit/>
+          </a:bodyPr>
+          <a:lstStyle>
+            <a:lvl1pPr algn="l" defTabSz="932742" rtl="0" eaLnBrk="1" latinLnBrk="0" hangingPunct="1">
+              <a:lnSpc>
+                <a:spcPct val="90000"/>
+              </a:lnSpc>
+              <a:spcBef>
+                <a:spcPct val="0"/>
+              </a:spcBef>
+              <a:buNone/>
+              <a:defRPr lang="en-US" sz="4800" b="0" kern="1200" cap="none" spc="-102" baseline="0">
+                <a:ln w="3175">
+                  <a:noFill/>
+                </a:ln>
+                <a:gradFill>
+                  <a:gsLst>
+                    <a:gs pos="1250">
+                      <a:schemeClr val="tx1"/>
+                    </a:gs>
+                    <a:gs pos="100000">
+                      <a:schemeClr val="tx1"/>
+                    </a:gs>
+                  </a:gsLst>
+                  <a:lin ang="5400000" scaled="0"/>
+                </a:gradFill>
+                <a:effectLst/>
+                <a:latin typeface="+mj-lt"/>
+                <a:ea typeface="+mn-ea"/>
+                <a:cs typeface="Segoe UI" pitchFamily="34" charset="0"/>
+              </a:defRPr>
+            </a:lvl1pPr>
+          </a:lstStyle>
+          <a:p>
+            <a:r>
+              <a:rPr lang="en-GB" sz="4400" b="1" dirty="0"/>
+              <a:t>Offline Data Sync:</a:t>
+            </a:r>
+          </a:p>
+          <a:p>
+            <a:r>
+              <a:rPr lang="en-GB" sz="2800" b="1" dirty="0"/>
+              <a:t>Enabling Offline Data Sync in client side</a:t>
+            </a:r>
+            <a:endParaRPr lang="en-US" b="1" dirty="0"/>
+          </a:p>
+        </p:txBody>
+      </p:sp>
+      <p:pic>
+        <p:nvPicPr>
+          <p:cNvPr id="2" name="Picture 1"/>
+          <p:cNvPicPr>
+            <a:picLocks noChangeAspect="1"/>
+          </p:cNvPicPr>
+          <p:nvPr/>
+        </p:nvPicPr>
+        <p:blipFill>
+          <a:blip r:embed="rId4"/>
+          <a:stretch>
+            <a:fillRect/>
+          </a:stretch>
+        </p:blipFill>
+        <p:spPr>
+          <a:xfrm>
+            <a:off x="10543216" y="95549"/>
+            <a:ext cx="1531024" cy="1531024"/>
+          </a:xfrm>
+          <a:prstGeom prst="rect">
+            <a:avLst/>
+          </a:prstGeom>
+        </p:spPr>
+      </p:pic>
+      <p:sp>
+        <p:nvSpPr>
+          <p:cNvPr id="5" name="TextBox 4"/>
+          <p:cNvSpPr txBox="1"/>
+          <p:nvPr/>
+        </p:nvSpPr>
+        <p:spPr>
+          <a:xfrm>
+            <a:off x="2393347" y="1626573"/>
+            <a:ext cx="8149870" cy="3065455"/>
+          </a:xfrm>
+          <a:prstGeom prst="rect">
+            <a:avLst/>
+          </a:prstGeom>
+          <a:noFill/>
+        </p:spPr>
+        <p:txBody>
+          <a:bodyPr wrap="square" lIns="182880" tIns="146304" rIns="182880" bIns="146304" rtlCol="0">
+            <a:spAutoFit/>
+          </a:bodyPr>
+          <a:lstStyle/>
+          <a:p>
+            <a:r>
+              <a:rPr lang="en-GB" dirty="0"/>
+              <a:t>The following tutorial is focused the Shopping Demo App’s home page, where users can see a collection of items to be sold.</a:t>
+            </a:r>
+          </a:p>
+          <a:p>
+            <a:endParaRPr lang="en-GB" dirty="0"/>
+          </a:p>
+          <a:p>
+            <a:r>
+              <a:rPr lang="en-GB" dirty="0"/>
+              <a:t>The Shopping Demo App consumes the Web App “</a:t>
+            </a:r>
+            <a:r>
+              <a:rPr lang="en-GB" dirty="0" err="1">
+                <a:hlinkClick r:id="rId5"/>
+              </a:rPr>
+              <a:t>Xamarin.Azure.Backend</a:t>
+            </a:r>
+            <a:r>
+              <a:rPr lang="en-GB" dirty="0"/>
+              <a:t>” we deployed in Azure.</a:t>
+            </a:r>
+          </a:p>
+          <a:p>
+            <a:endParaRPr lang="en-GB" dirty="0"/>
+          </a:p>
+          <a:p>
+            <a:r>
+              <a:rPr lang="en-US" dirty="0"/>
+              <a:t>The </a:t>
+            </a:r>
+            <a:r>
+              <a:rPr lang="en-US" dirty="0" err="1"/>
+              <a:t>Xamarin.Azure.Backend</a:t>
+            </a:r>
+            <a:r>
+              <a:rPr lang="en-US" dirty="0"/>
+              <a:t> project provides a shared API that enables offline sync within </a:t>
+            </a:r>
+            <a:r>
+              <a:rPr lang="en-US" dirty="0" err="1"/>
+              <a:t>Xamarin.Android</a:t>
+            </a:r>
+            <a:r>
+              <a:rPr lang="en-US" dirty="0"/>
+              <a:t>, </a:t>
+            </a:r>
+            <a:r>
+              <a:rPr lang="en-US" dirty="0" err="1"/>
+              <a:t>Xamarin.iOS</a:t>
+            </a:r>
+            <a:r>
+              <a:rPr lang="en-US" dirty="0"/>
+              <a:t> and Windows 10 Mobile project. On this project, you also need to use the </a:t>
+            </a:r>
+            <a:r>
+              <a:rPr lang="en-US" dirty="0" err="1"/>
+              <a:t>NuGet</a:t>
+            </a:r>
+            <a:r>
+              <a:rPr lang="en-US" dirty="0"/>
+              <a:t> package </a:t>
+            </a:r>
+            <a:r>
+              <a:rPr lang="en-US" dirty="0" err="1">
+                <a:hlinkClick r:id="rId6"/>
+              </a:rPr>
+              <a:t>Microsoft.Azure.Mobile.Client.SQLiteStore</a:t>
+            </a:r>
+            <a:r>
+              <a:rPr lang="en-US" dirty="0"/>
+              <a:t> for every platform.</a:t>
+            </a:r>
+            <a:endParaRPr lang="en-GB" dirty="0"/>
+          </a:p>
+        </p:txBody>
+      </p:sp>
+      <p:pic>
+        <p:nvPicPr>
+          <p:cNvPr id="4" name="Picture 3"/>
+          <p:cNvPicPr>
+            <a:picLocks noChangeAspect="1"/>
+          </p:cNvPicPr>
+          <p:nvPr/>
+        </p:nvPicPr>
+        <p:blipFill>
+          <a:blip r:embed="rId7"/>
+          <a:stretch>
+            <a:fillRect/>
+          </a:stretch>
+        </p:blipFill>
+        <p:spPr>
+          <a:xfrm>
+            <a:off x="291259" y="2296448"/>
+            <a:ext cx="1940040" cy="3455337"/>
+          </a:xfrm>
+          <a:prstGeom prst="rect">
+            <a:avLst/>
+          </a:prstGeom>
+        </p:spPr>
+      </p:pic>
+      <p:sp>
+        <p:nvSpPr>
+          <p:cNvPr id="11" name="TextBox 10"/>
+          <p:cNvSpPr txBox="1"/>
+          <p:nvPr/>
+        </p:nvSpPr>
+        <p:spPr>
+          <a:xfrm>
+            <a:off x="2341582" y="4630096"/>
+            <a:ext cx="8034059" cy="1957459"/>
+          </a:xfrm>
+          <a:prstGeom prst="rect">
+            <a:avLst/>
+          </a:prstGeom>
+          <a:noFill/>
+        </p:spPr>
+        <p:txBody>
+          <a:bodyPr wrap="square" lIns="182880" tIns="146304" rIns="182880" bIns="146304" rtlCol="0">
+            <a:spAutoFit/>
+          </a:bodyPr>
+          <a:lstStyle/>
+          <a:p>
+            <a:r>
+              <a:rPr lang="en-GB" dirty="0"/>
+              <a:t>The collection view which shows items in the home page consumes the </a:t>
+            </a:r>
+            <a:r>
+              <a:rPr lang="en-GB" b="1" dirty="0" err="1"/>
+              <a:t>SaleItemDataService</a:t>
+            </a:r>
+            <a:r>
+              <a:rPr lang="en-GB" dirty="0"/>
+              <a:t> class, wrapping the initialization and retrieval of elements.</a:t>
+            </a:r>
+          </a:p>
+          <a:p>
+            <a:endParaRPr lang="en-GB" dirty="0"/>
+          </a:p>
+          <a:p>
+            <a:r>
+              <a:rPr lang="en-GB" dirty="0"/>
+              <a:t>Every platform must call </a:t>
+            </a:r>
+            <a:r>
+              <a:rPr lang="en-GB" dirty="0" err="1"/>
+              <a:t>SaleItemDataService.Initialize</a:t>
+            </a:r>
+            <a:r>
+              <a:rPr lang="en-GB" dirty="0"/>
+              <a:t>() before pulling items:</a:t>
+            </a:r>
+          </a:p>
+        </p:txBody>
+      </p:sp>
+      <p:pic>
+        <p:nvPicPr>
+          <p:cNvPr id="14" name="Picture 13"/>
+          <p:cNvPicPr>
+            <a:picLocks noChangeAspect="1"/>
+          </p:cNvPicPr>
+          <p:nvPr/>
+        </p:nvPicPr>
+        <p:blipFill>
+          <a:blip r:embed="rId8"/>
+          <a:stretch>
+            <a:fillRect/>
+          </a:stretch>
+        </p:blipFill>
+        <p:spPr>
+          <a:xfrm>
+            <a:off x="10427406" y="1981224"/>
+            <a:ext cx="1687731" cy="4085786"/>
+          </a:xfrm>
+          <a:prstGeom prst="rect">
+            <a:avLst/>
+          </a:prstGeom>
+          <a:solidFill>
+            <a:srgbClr val="FFFFFF">
+              <a:shade val="85000"/>
+            </a:srgbClr>
+          </a:solidFill>
+          <a:ln w="88900" cap="sq">
+            <a:solidFill>
+              <a:srgbClr val="FFFFFF"/>
+            </a:solidFill>
+            <a:miter lim="800000"/>
+          </a:ln>
+          <a:effectLst>
+            <a:outerShdw blurRad="55000" dist="18000" dir="5400000" algn="tl" rotWithShape="0">
+              <a:srgbClr val="000000">
+                <a:alpha val="40000"/>
+              </a:srgbClr>
+            </a:outerShdw>
+          </a:effectLst>
+          <a:scene3d>
+            <a:camera prst="orthographicFront"/>
+            <a:lightRig rig="twoPt" dir="t">
+              <a:rot lat="0" lon="0" rev="7200000"/>
+            </a:lightRig>
+          </a:scene3d>
+          <a:sp3d>
+            <a:bevelT w="25400" h="19050"/>
+            <a:contourClr>
+              <a:srgbClr val="FFFFFF"/>
+            </a:contourClr>
+          </a:sp3d>
+        </p:spPr>
+      </p:pic>
+    </p:spTree>
+    <p:extLst>
+      <p:ext uri="{BB962C8B-B14F-4D97-AF65-F5344CB8AC3E}">
+        <p14:creationId xmlns:p14="http://schemas.microsoft.com/office/powerpoint/2010/main" val="3134459158"/>
+      </p:ext>
+    </p:extLst>
+  </p:cSld>
+  <p:clrMapOvr>
+    <a:masterClrMapping/>
+  </p:clrMapOvr>
+  <p:transition>
+    <p:fade/>
+  </p:transition>
+</p:sld>
+</file>
+
+<file path=ppt/slides/slide3.xml><?xml version="1.0" encoding="utf-8"?>
+<p:sld xmlns:a="http://schemas.openxmlformats.org/drawingml/2006/main" xmlns:r="http://schemas.openxmlformats.org/officeDocument/2006/relationships" xmlns:p="http://schemas.openxmlformats.org/presentationml/2006/main">
+  <p:cSld>
+    <p:bg>
+      <p:bgPr>
+        <a:blipFill dpi="0" rotWithShape="1">
+          <a:blip r:embed="rId3">
+            <a:alphaModFix amt="12000"/>
+            <a:lum/>
+          </a:blip>
+          <a:srcRect/>
+          <a:stretch>
+            <a:fillRect l="-45000" t="-39000" r="45000" b="-39000"/>
+          </a:stretch>
+        </a:blipFill>
+        <a:effectLst/>
+      </p:bgPr>
+    </p:bg>
+    <p:spTree>
+      <p:nvGrpSpPr>
+        <p:cNvPr id="1" name=""/>
+        <p:cNvGrpSpPr/>
+        <p:nvPr/>
+      </p:nvGrpSpPr>
+      <p:grpSpPr>
+        <a:xfrm>
+          <a:off x="0" y="0"/>
+          <a:ext cx="0" cy="0"/>
+          <a:chOff x="0" y="0"/>
+          <a:chExt cx="0" cy="0"/>
+        </a:xfrm>
+      </p:grpSpPr>
+      <p:sp>
+        <p:nvSpPr>
+          <p:cNvPr id="3" name="TextBox 2"/>
+          <p:cNvSpPr txBox="1"/>
+          <p:nvPr/>
+        </p:nvSpPr>
+        <p:spPr>
+          <a:xfrm>
+            <a:off x="1176802" y="1537853"/>
+            <a:ext cx="10676598" cy="4668970"/>
+          </a:xfrm>
+          <a:prstGeom prst="rect">
+            <a:avLst/>
+          </a:prstGeom>
+          <a:noFill/>
+        </p:spPr>
+        <p:txBody>
+          <a:bodyPr wrap="square" lIns="182880" tIns="146304" rIns="182880" bIns="146304" rtlCol="0">
+            <a:spAutoFit/>
+          </a:bodyPr>
+          <a:lstStyle/>
+          <a:p>
+            <a:pPr>
+              <a:lnSpc>
+                <a:spcPct val="90000"/>
+              </a:lnSpc>
+              <a:spcAft>
+                <a:spcPts val="600"/>
+              </a:spcAft>
+            </a:pPr>
+            <a:r>
+              <a:rPr lang="en-US" sz="3600" dirty="0">
+                <a:latin typeface="+mj-lt"/>
+              </a:rPr>
+              <a:t>We are going to build a cross platform shopping app that uses </a:t>
+            </a:r>
+            <a:r>
+              <a:rPr lang="en-GB" sz="3600" dirty="0">
+                <a:latin typeface="+mj-lt"/>
+              </a:rPr>
+              <a:t>a wide range of Azure services to help users:</a:t>
+            </a:r>
+          </a:p>
+          <a:p>
+            <a:pPr marL="571500" indent="-571500">
+              <a:lnSpc>
+                <a:spcPct val="90000"/>
+              </a:lnSpc>
+              <a:spcAft>
+                <a:spcPts val="600"/>
+              </a:spcAft>
+              <a:buFont typeface="Arial" panose="020B0604020202020204" pitchFamily="34" charset="0"/>
+              <a:buChar char="•"/>
+            </a:pPr>
+            <a:r>
+              <a:rPr lang="en-GB" sz="3600" dirty="0">
+                <a:latin typeface="+mj-lt"/>
+              </a:rPr>
+              <a:t>authenticate with Facebook or Twitter</a:t>
+            </a:r>
+          </a:p>
+          <a:p>
+            <a:pPr marL="571500" indent="-571500">
+              <a:lnSpc>
+                <a:spcPct val="90000"/>
+              </a:lnSpc>
+              <a:spcAft>
+                <a:spcPts val="600"/>
+              </a:spcAft>
+              <a:buFont typeface="Arial" panose="020B0604020202020204" pitchFamily="34" charset="0"/>
+              <a:buChar char="•"/>
+            </a:pPr>
+            <a:r>
+              <a:rPr lang="en-GB" sz="3600" dirty="0">
+                <a:latin typeface="+mj-lt"/>
+              </a:rPr>
+              <a:t>sell and buy personal items</a:t>
+            </a:r>
+          </a:p>
+          <a:p>
+            <a:pPr marL="571500" indent="-571500">
+              <a:lnSpc>
+                <a:spcPct val="90000"/>
+              </a:lnSpc>
+              <a:spcAft>
+                <a:spcPts val="600"/>
+              </a:spcAft>
+              <a:buFont typeface="Arial" panose="020B0604020202020204" pitchFamily="34" charset="0"/>
+              <a:buChar char="•"/>
+            </a:pPr>
+            <a:r>
+              <a:rPr lang="en-GB" sz="3600" dirty="0">
+                <a:latin typeface="+mj-lt"/>
+              </a:rPr>
+              <a:t>get notifications when items are purchased</a:t>
+            </a:r>
+          </a:p>
+          <a:p>
+            <a:pPr marL="571500" indent="-571500">
+              <a:lnSpc>
+                <a:spcPct val="90000"/>
+              </a:lnSpc>
+              <a:spcAft>
+                <a:spcPts val="600"/>
+              </a:spcAft>
+              <a:buFont typeface="Arial" panose="020B0604020202020204" pitchFamily="34" charset="0"/>
+              <a:buChar char="•"/>
+            </a:pPr>
+            <a:r>
+              <a:rPr lang="en-GB" sz="3600" dirty="0">
+                <a:latin typeface="+mj-lt"/>
+              </a:rPr>
+              <a:t>rate the app with a smile</a:t>
+            </a:r>
+            <a:endParaRPr lang="en-US" sz="3600" dirty="0">
+              <a:latin typeface="+mj-lt"/>
+            </a:endParaRPr>
+          </a:p>
+          <a:p>
+            <a:pPr>
+              <a:lnSpc>
+                <a:spcPct val="90000"/>
+              </a:lnSpc>
+              <a:spcAft>
+                <a:spcPts val="600"/>
+              </a:spcAft>
+            </a:pPr>
+            <a:endParaRPr lang="en-US" sz="3600" dirty="0" err="1">
+              <a:gradFill>
+                <a:gsLst>
+                  <a:gs pos="2917">
+                    <a:schemeClr val="tx1"/>
+                  </a:gs>
+                  <a:gs pos="30000">
+                    <a:schemeClr val="tx1"/>
+                  </a:gs>
+                </a:gsLst>
+                <a:lin ang="5400000" scaled="0"/>
+              </a:gradFill>
+              <a:latin typeface="+mj-lt"/>
+            </a:endParaRPr>
+          </a:p>
+        </p:txBody>
+      </p:sp>
+      <p:pic>
+        <p:nvPicPr>
+          <p:cNvPr id="6" name="Picture 5"/>
+          <p:cNvPicPr>
+            <a:picLocks noChangeAspect="1"/>
+          </p:cNvPicPr>
+          <p:nvPr/>
+        </p:nvPicPr>
+        <p:blipFill>
+          <a:blip r:embed="rId4"/>
+          <a:stretch>
+            <a:fillRect/>
+          </a:stretch>
+        </p:blipFill>
+        <p:spPr>
+          <a:xfrm>
+            <a:off x="9444414" y="2859436"/>
+            <a:ext cx="864057" cy="864057"/>
+          </a:xfrm>
+          <a:prstGeom prst="rect">
+            <a:avLst/>
+          </a:prstGeom>
+        </p:spPr>
+      </p:pic>
+      <p:pic>
+        <p:nvPicPr>
+          <p:cNvPr id="7" name="Picture 6"/>
+          <p:cNvPicPr>
+            <a:picLocks noChangeAspect="1"/>
+          </p:cNvPicPr>
+          <p:nvPr/>
+        </p:nvPicPr>
+        <p:blipFill>
+          <a:blip r:embed="rId5"/>
+          <a:stretch>
+            <a:fillRect/>
+          </a:stretch>
+        </p:blipFill>
+        <p:spPr>
+          <a:xfrm>
+            <a:off x="10592889" y="2797421"/>
+            <a:ext cx="976089" cy="976089"/>
+          </a:xfrm>
+          <a:prstGeom prst="rect">
+            <a:avLst/>
+          </a:prstGeom>
+        </p:spPr>
+      </p:pic>
+      <p:pic>
+        <p:nvPicPr>
+          <p:cNvPr id="8" name="Picture 7"/>
+          <p:cNvPicPr>
+            <a:picLocks noChangeAspect="1"/>
+          </p:cNvPicPr>
+          <p:nvPr/>
+        </p:nvPicPr>
+        <p:blipFill>
+          <a:blip r:embed="rId6"/>
+          <a:stretch>
+            <a:fillRect/>
+          </a:stretch>
+        </p:blipFill>
+        <p:spPr>
+          <a:xfrm>
+            <a:off x="10317442" y="3939786"/>
+            <a:ext cx="1535958" cy="930883"/>
+          </a:xfrm>
+          <a:prstGeom prst="rect">
+            <a:avLst/>
+          </a:prstGeom>
+        </p:spPr>
+      </p:pic>
+      <p:pic>
+        <p:nvPicPr>
+          <p:cNvPr id="9" name="Picture 8"/>
+          <p:cNvPicPr>
+            <a:picLocks noChangeAspect="1"/>
+          </p:cNvPicPr>
+          <p:nvPr/>
+        </p:nvPicPr>
+        <p:blipFill>
+          <a:blip r:embed="rId7"/>
+          <a:stretch>
+            <a:fillRect/>
+          </a:stretch>
+        </p:blipFill>
+        <p:spPr>
+          <a:xfrm>
+            <a:off x="6963956" y="4947249"/>
+            <a:ext cx="2912486" cy="473529"/>
+          </a:xfrm>
+          <a:prstGeom prst="rect">
+            <a:avLst/>
+          </a:prstGeom>
+        </p:spPr>
+      </p:pic>
+      <p:sp>
+        <p:nvSpPr>
+          <p:cNvPr id="10" name="Title 1"/>
+          <p:cNvSpPr txBox="1">
+            <a:spLocks/>
+          </p:cNvSpPr>
+          <p:nvPr/>
+        </p:nvSpPr>
+        <p:spPr>
+          <a:xfrm>
+            <a:off x="982785" y="450200"/>
+            <a:ext cx="9860672" cy="821722"/>
+          </a:xfrm>
+          <a:prstGeom prst="rect">
+            <a:avLst/>
+          </a:prstGeom>
+        </p:spPr>
+        <p:txBody>
+          <a:bodyPr vert="horz" wrap="square" lIns="143428" tIns="89642" rIns="143428" bIns="89642" rtlCol="0" anchor="t">
+            <a:noAutofit/>
+          </a:bodyPr>
+          <a:lstStyle>
+            <a:lvl1pPr algn="l" defTabSz="932742" rtl="0" eaLnBrk="1" latinLnBrk="0" hangingPunct="1">
+              <a:lnSpc>
+                <a:spcPct val="90000"/>
+              </a:lnSpc>
+              <a:spcBef>
+                <a:spcPct val="0"/>
+              </a:spcBef>
+              <a:buNone/>
+              <a:defRPr lang="en-US" sz="4800" b="0" kern="1200" cap="none" spc="-102" baseline="0">
+                <a:ln w="3175">
+                  <a:noFill/>
+                </a:ln>
+                <a:gradFill>
+                  <a:gsLst>
+                    <a:gs pos="1250">
+                      <a:schemeClr val="tx1"/>
+                    </a:gs>
+                    <a:gs pos="100000">
+                      <a:schemeClr val="tx1"/>
+                    </a:gs>
+                  </a:gsLst>
+                  <a:lin ang="5400000" scaled="0"/>
+                </a:gradFill>
+                <a:effectLst/>
+                <a:latin typeface="+mj-lt"/>
+                <a:ea typeface="+mn-ea"/>
+                <a:cs typeface="Segoe UI" pitchFamily="34" charset="0"/>
+              </a:defRPr>
+            </a:lvl1pPr>
+          </a:lstStyle>
+          <a:p>
+            <a:r>
+              <a:rPr lang="en-US" b="1" dirty="0"/>
+              <a:t>Shopping Demo App Overview</a:t>
+            </a:r>
+          </a:p>
+        </p:txBody>
+      </p:sp>
+    </p:spTree>
+    <p:extLst>
+      <p:ext uri="{BB962C8B-B14F-4D97-AF65-F5344CB8AC3E}">
+        <p14:creationId xmlns:p14="http://schemas.microsoft.com/office/powerpoint/2010/main" val="1381672606"/>
+      </p:ext>
+    </p:extLst>
+  </p:cSld>
+  <p:clrMapOvr>
+    <a:masterClrMapping/>
+  </p:clrMapOvr>
+  <p:transition>
+    <p:fade/>
+  </p:transition>
+</p:sld>
+</file>
+
+<file path=ppt/slides/slide30.xml><?xml version="1.0" encoding="utf-8"?>
+<p:sld xmlns:a="http://schemas.openxmlformats.org/drawingml/2006/main" xmlns:r="http://schemas.openxmlformats.org/officeDocument/2006/relationships" xmlns:p="http://schemas.openxmlformats.org/presentationml/2006/main">
+  <p:cSld>
+    <p:bg>
+      <p:bgPr>
+        <a:blipFill dpi="0" rotWithShape="1">
+          <a:blip r:embed="rId3">
+            <a:alphaModFix amt="12000"/>
+            <a:lum/>
+          </a:blip>
+          <a:srcRect/>
+          <a:stretch>
+            <a:fillRect l="-45000" t="-39000" r="45000" b="-39000"/>
+          </a:stretch>
+        </a:blipFill>
+        <a:effectLst/>
+      </p:bgPr>
+    </p:bg>
+    <p:spTree>
+      <p:nvGrpSpPr>
+        <p:cNvPr id="1" name=""/>
+        <p:cNvGrpSpPr/>
+        <p:nvPr/>
+      </p:nvGrpSpPr>
+      <p:grpSpPr>
+        <a:xfrm>
+          <a:off x="0" y="0"/>
+          <a:ext cx="0" cy="0"/>
+          <a:chOff x="0" y="0"/>
+          <a:chExt cx="0" cy="0"/>
+        </a:xfrm>
+      </p:grpSpPr>
+      <p:sp>
+        <p:nvSpPr>
+          <p:cNvPr id="8" name="TextBox 7"/>
+          <p:cNvSpPr txBox="1"/>
+          <p:nvPr/>
+        </p:nvSpPr>
+        <p:spPr>
+          <a:xfrm>
+            <a:off x="4145965" y="-846623"/>
+            <a:ext cx="362072" cy="621556"/>
+          </a:xfrm>
+          <a:prstGeom prst="rect">
+            <a:avLst/>
+          </a:prstGeom>
+          <a:noFill/>
+        </p:spPr>
+        <p:txBody>
+          <a:bodyPr wrap="none" lIns="179285" tIns="143428" rIns="179285" bIns="143428" rtlCol="0">
+            <a:spAutoFit/>
+          </a:bodyPr>
+          <a:lstStyle/>
+          <a:p>
+            <a:pPr>
+              <a:lnSpc>
+                <a:spcPct val="90000"/>
+              </a:lnSpc>
+              <a:spcAft>
+                <a:spcPts val="588"/>
+              </a:spcAft>
+            </a:pPr>
+            <a:endParaRPr lang="en-US" sz="2353" dirty="0" err="1">
+              <a:gradFill>
+                <a:gsLst>
+                  <a:gs pos="2917">
+                    <a:schemeClr val="tx1"/>
+                  </a:gs>
+                  <a:gs pos="30000">
+                    <a:schemeClr val="tx1"/>
+                  </a:gs>
+                </a:gsLst>
+                <a:lin ang="5400000" scaled="0"/>
+              </a:gradFill>
+            </a:endParaRPr>
+          </a:p>
+        </p:txBody>
+      </p:sp>
+      <p:sp>
+        <p:nvSpPr>
+          <p:cNvPr id="3" name="Title 1"/>
+          <p:cNvSpPr txBox="1">
+            <a:spLocks/>
+          </p:cNvSpPr>
+          <p:nvPr/>
+        </p:nvSpPr>
+        <p:spPr>
+          <a:xfrm>
+            <a:off x="1535866" y="232232"/>
+            <a:ext cx="5816121" cy="1231314"/>
+          </a:xfrm>
+          <a:prstGeom prst="rect">
+            <a:avLst/>
+          </a:prstGeom>
+        </p:spPr>
+        <p:txBody>
+          <a:bodyPr vert="horz" wrap="square" lIns="143428" tIns="89642" rIns="143428" bIns="89642" rtlCol="0" anchor="t">
+            <a:noAutofit/>
+          </a:bodyPr>
+          <a:lstStyle>
+            <a:lvl1pPr algn="l" defTabSz="932742" rtl="0" eaLnBrk="1" latinLnBrk="0" hangingPunct="1">
+              <a:lnSpc>
+                <a:spcPct val="90000"/>
+              </a:lnSpc>
+              <a:spcBef>
+                <a:spcPct val="0"/>
+              </a:spcBef>
+              <a:buNone/>
+              <a:defRPr lang="en-US" sz="4800" b="0" kern="1200" cap="none" spc="-102" baseline="0">
+                <a:ln w="3175">
+                  <a:noFill/>
+                </a:ln>
+                <a:gradFill>
+                  <a:gsLst>
+                    <a:gs pos="1250">
+                      <a:schemeClr val="tx1"/>
+                    </a:gs>
+                    <a:gs pos="100000">
+                      <a:schemeClr val="tx1"/>
+                    </a:gs>
+                  </a:gsLst>
+                  <a:lin ang="5400000" scaled="0"/>
+                </a:gradFill>
+                <a:effectLst/>
+                <a:latin typeface="+mj-lt"/>
+                <a:ea typeface="+mn-ea"/>
+                <a:cs typeface="Segoe UI" pitchFamily="34" charset="0"/>
+              </a:defRPr>
+            </a:lvl1pPr>
+          </a:lstStyle>
+          <a:p>
+            <a:r>
+              <a:rPr lang="en-GB" sz="4400" b="1" dirty="0"/>
+              <a:t>Offline Data Sync:</a:t>
+            </a:r>
+          </a:p>
+          <a:p>
+            <a:r>
+              <a:rPr lang="en-GB" sz="2800" b="1" dirty="0"/>
+              <a:t>Enabling Offline Data Sync in client side</a:t>
+            </a:r>
+            <a:endParaRPr lang="en-US" b="1" dirty="0"/>
+          </a:p>
+        </p:txBody>
+      </p:sp>
+      <p:pic>
+        <p:nvPicPr>
+          <p:cNvPr id="2" name="Picture 1"/>
+          <p:cNvPicPr>
+            <a:picLocks noChangeAspect="1"/>
+          </p:cNvPicPr>
+          <p:nvPr/>
+        </p:nvPicPr>
+        <p:blipFill>
+          <a:blip r:embed="rId4"/>
+          <a:stretch>
+            <a:fillRect/>
+          </a:stretch>
+        </p:blipFill>
+        <p:spPr>
+          <a:xfrm>
+            <a:off x="10543216" y="95549"/>
+            <a:ext cx="1531024" cy="1531024"/>
+          </a:xfrm>
+          <a:prstGeom prst="rect">
+            <a:avLst/>
+          </a:prstGeom>
+        </p:spPr>
+      </p:pic>
+      <p:sp>
+        <p:nvSpPr>
+          <p:cNvPr id="5" name="TextBox 4"/>
+          <p:cNvSpPr txBox="1"/>
+          <p:nvPr/>
+        </p:nvSpPr>
+        <p:spPr>
+          <a:xfrm>
+            <a:off x="-50339" y="1463546"/>
+            <a:ext cx="10973376" cy="1126462"/>
+          </a:xfrm>
+          <a:prstGeom prst="rect">
+            <a:avLst/>
+          </a:prstGeom>
+          <a:noFill/>
+        </p:spPr>
+        <p:txBody>
+          <a:bodyPr wrap="square" lIns="182880" tIns="146304" rIns="182880" bIns="146304" rtlCol="0">
+            <a:spAutoFit/>
+          </a:bodyPr>
+          <a:lstStyle/>
+          <a:p>
+            <a:r>
+              <a:rPr lang="en-GB" dirty="0"/>
+              <a:t>This method initializes the SQLite local storage (just for the very first time), instantiates the client which will let us consume the Web API, and gives the app a “sync. table” for the sale items. This table is a mirror of the data available in Azure, letting us work with it locally and, finally, pushing everything to the cloud.</a:t>
+            </a:r>
+            <a:endParaRPr lang="en-GB" sz="1600" dirty="0"/>
+          </a:p>
+        </p:txBody>
+      </p:sp>
+      <p:sp>
+        <p:nvSpPr>
+          <p:cNvPr id="9" name="Rectangle 8"/>
+          <p:cNvSpPr/>
+          <p:nvPr/>
+        </p:nvSpPr>
+        <p:spPr>
+          <a:xfrm>
+            <a:off x="80866" y="2590008"/>
+            <a:ext cx="12111134" cy="3539430"/>
+          </a:xfrm>
+          <a:prstGeom prst="rect">
+            <a:avLst/>
+          </a:prstGeom>
+        </p:spPr>
+        <p:txBody>
+          <a:bodyPr wrap="square">
+            <a:spAutoFit/>
+          </a:bodyPr>
+          <a:lstStyle/>
+          <a:p>
+            <a:r>
+              <a:rPr lang="en-US" sz="1400" dirty="0">
+                <a:solidFill>
+                  <a:srgbClr val="000000"/>
+                </a:solidFill>
+                <a:latin typeface="Consolas" panose="020B0609020204030204" pitchFamily="49" charset="0"/>
+              </a:rPr>
+              <a:t> </a:t>
+            </a:r>
+            <a:r>
+              <a:rPr lang="en-US" sz="1400" dirty="0">
+                <a:solidFill>
+                  <a:srgbClr val="0000FF"/>
+                </a:solidFill>
+                <a:latin typeface="Consolas" panose="020B0609020204030204" pitchFamily="49" charset="0"/>
+              </a:rPr>
+              <a:t>public</a:t>
+            </a:r>
+            <a:r>
+              <a:rPr lang="en-US" sz="1400" dirty="0">
+                <a:solidFill>
+                  <a:srgbClr val="000000"/>
+                </a:solidFill>
+                <a:latin typeface="Consolas" panose="020B0609020204030204" pitchFamily="49" charset="0"/>
+              </a:rPr>
+              <a:t> </a:t>
+            </a:r>
+            <a:r>
+              <a:rPr lang="en-US" sz="1400" dirty="0" err="1">
+                <a:solidFill>
+                  <a:srgbClr val="0000FF"/>
+                </a:solidFill>
+                <a:latin typeface="Consolas" panose="020B0609020204030204" pitchFamily="49" charset="0"/>
+              </a:rPr>
+              <a:t>async</a:t>
+            </a:r>
+            <a:r>
+              <a:rPr lang="en-US" sz="1400" dirty="0">
+                <a:solidFill>
+                  <a:srgbClr val="000000"/>
+                </a:solidFill>
+                <a:latin typeface="Consolas" panose="020B0609020204030204" pitchFamily="49" charset="0"/>
+              </a:rPr>
+              <a:t> </a:t>
+            </a:r>
+            <a:r>
+              <a:rPr lang="en-US" sz="1400" dirty="0">
+                <a:solidFill>
+                  <a:srgbClr val="2B91AF"/>
+                </a:solidFill>
+                <a:latin typeface="Consolas" panose="020B0609020204030204" pitchFamily="49" charset="0"/>
+              </a:rPr>
+              <a:t>Task</a:t>
+            </a:r>
+            <a:r>
+              <a:rPr lang="en-US" sz="1400" dirty="0">
+                <a:solidFill>
+                  <a:srgbClr val="000000"/>
+                </a:solidFill>
+                <a:latin typeface="Consolas" panose="020B0609020204030204" pitchFamily="49" charset="0"/>
+              </a:rPr>
+              <a:t> Initialize()</a:t>
+            </a:r>
+          </a:p>
+          <a:p>
+            <a:r>
+              <a:rPr lang="en-US" sz="1400" dirty="0">
+                <a:solidFill>
+                  <a:srgbClr val="000000"/>
+                </a:solidFill>
+                <a:latin typeface="Consolas" panose="020B0609020204030204" pitchFamily="49" charset="0"/>
+              </a:rPr>
+              <a:t> {</a:t>
+            </a:r>
+          </a:p>
+          <a:p>
+            <a:r>
+              <a:rPr lang="en-US" sz="1400" dirty="0">
+                <a:solidFill>
+                  <a:srgbClr val="000000"/>
+                </a:solidFill>
+                <a:latin typeface="Consolas" panose="020B0609020204030204" pitchFamily="49" charset="0"/>
+              </a:rPr>
+              <a:t>      </a:t>
+            </a:r>
+            <a:r>
+              <a:rPr lang="en-US" sz="1400" dirty="0" err="1">
+                <a:solidFill>
+                  <a:srgbClr val="0000FF"/>
+                </a:solidFill>
+                <a:latin typeface="Consolas" panose="020B0609020204030204" pitchFamily="49" charset="0"/>
+              </a:rPr>
+              <a:t>const</a:t>
+            </a:r>
+            <a:r>
+              <a:rPr lang="en-US" sz="1400" dirty="0">
+                <a:solidFill>
+                  <a:srgbClr val="000000"/>
+                </a:solidFill>
+                <a:latin typeface="Consolas" panose="020B0609020204030204" pitchFamily="49" charset="0"/>
+              </a:rPr>
+              <a:t> </a:t>
+            </a:r>
+            <a:r>
+              <a:rPr lang="en-US" sz="1400" dirty="0">
+                <a:solidFill>
+                  <a:srgbClr val="0000FF"/>
+                </a:solidFill>
+                <a:latin typeface="Consolas" panose="020B0609020204030204" pitchFamily="49" charset="0"/>
+              </a:rPr>
+              <a:t>string</a:t>
+            </a:r>
+            <a:r>
+              <a:rPr lang="en-US" sz="1400" dirty="0">
+                <a:solidFill>
+                  <a:srgbClr val="000000"/>
+                </a:solidFill>
+                <a:latin typeface="Consolas" panose="020B0609020204030204" pitchFamily="49" charset="0"/>
+              </a:rPr>
+              <a:t> path = </a:t>
+            </a:r>
+            <a:r>
+              <a:rPr lang="en-US" sz="1400" dirty="0">
+                <a:solidFill>
+                  <a:srgbClr val="A31515"/>
+                </a:solidFill>
+                <a:latin typeface="Consolas" panose="020B0609020204030204" pitchFamily="49" charset="0"/>
+              </a:rPr>
+              <a:t>"</a:t>
+            </a:r>
+            <a:r>
+              <a:rPr lang="en-US" sz="1400" dirty="0" err="1">
+                <a:solidFill>
+                  <a:srgbClr val="A31515"/>
+                </a:solidFill>
+                <a:latin typeface="Consolas" panose="020B0609020204030204" pitchFamily="49" charset="0"/>
+              </a:rPr>
+              <a:t>syncstore.db</a:t>
+            </a:r>
+            <a:r>
+              <a:rPr lang="en-US" sz="1400" dirty="0">
+                <a:solidFill>
+                  <a:srgbClr val="A31515"/>
+                </a:solidFill>
+                <a:latin typeface="Consolas" panose="020B0609020204030204" pitchFamily="49" charset="0"/>
+              </a:rPr>
+              <a:t>"</a:t>
+            </a:r>
+            <a:r>
+              <a:rPr lang="en-US" sz="1400" dirty="0">
+                <a:solidFill>
+                  <a:srgbClr val="000000"/>
+                </a:solidFill>
+                <a:latin typeface="Consolas" panose="020B0609020204030204" pitchFamily="49" charset="0"/>
+              </a:rPr>
+              <a:t>;</a:t>
+            </a:r>
+          </a:p>
+          <a:p>
+            <a:endParaRPr lang="en-US" sz="1400" dirty="0">
+              <a:solidFill>
+                <a:srgbClr val="000000"/>
+              </a:solidFill>
+              <a:latin typeface="Consolas" panose="020B0609020204030204" pitchFamily="49" charset="0"/>
+            </a:endParaRPr>
+          </a:p>
+          <a:p>
+            <a:r>
+              <a:rPr lang="en-US" sz="1400" dirty="0">
+                <a:solidFill>
+                  <a:srgbClr val="000000"/>
+                </a:solidFill>
+                <a:latin typeface="Consolas" panose="020B0609020204030204" pitchFamily="49" charset="0"/>
+              </a:rPr>
+              <a:t>    </a:t>
+            </a:r>
+            <a:r>
+              <a:rPr lang="en-US" sz="1400" dirty="0">
+                <a:solidFill>
+                  <a:srgbClr val="008000"/>
+                </a:solidFill>
+                <a:latin typeface="Consolas" panose="020B0609020204030204" pitchFamily="49" charset="0"/>
+              </a:rPr>
+              <a:t>//Create our client</a:t>
+            </a:r>
+            <a:endParaRPr lang="en-US" sz="1400" dirty="0">
+              <a:solidFill>
+                <a:srgbClr val="000000"/>
+              </a:solidFill>
+              <a:latin typeface="Consolas" panose="020B0609020204030204" pitchFamily="49" charset="0"/>
+            </a:endParaRPr>
+          </a:p>
+          <a:p>
+            <a:r>
+              <a:rPr lang="en-US" sz="1400" dirty="0">
+                <a:solidFill>
+                  <a:srgbClr val="000000"/>
+                </a:solidFill>
+                <a:latin typeface="Consolas" panose="020B0609020204030204" pitchFamily="49" charset="0"/>
+              </a:rPr>
+              <a:t>    </a:t>
+            </a:r>
+            <a:r>
+              <a:rPr lang="en-US" sz="1400" dirty="0" err="1">
+                <a:solidFill>
+                  <a:srgbClr val="0000FF"/>
+                </a:solidFill>
+                <a:latin typeface="Consolas" panose="020B0609020204030204" pitchFamily="49" charset="0"/>
+              </a:rPr>
+              <a:t>this</a:t>
+            </a:r>
+            <a:r>
+              <a:rPr lang="en-US" sz="1400" dirty="0" err="1">
+                <a:solidFill>
+                  <a:srgbClr val="000000"/>
+                </a:solidFill>
+                <a:latin typeface="Consolas" panose="020B0609020204030204" pitchFamily="49" charset="0"/>
+              </a:rPr>
+              <a:t>.MobileService</a:t>
+            </a:r>
+            <a:r>
+              <a:rPr lang="en-US" sz="1400" dirty="0">
+                <a:solidFill>
+                  <a:srgbClr val="000000"/>
+                </a:solidFill>
+                <a:latin typeface="Consolas" panose="020B0609020204030204" pitchFamily="49" charset="0"/>
+              </a:rPr>
+              <a:t> = </a:t>
+            </a:r>
+            <a:r>
+              <a:rPr lang="en-US" sz="1400" dirty="0">
+                <a:solidFill>
+                  <a:srgbClr val="0000FF"/>
+                </a:solidFill>
+                <a:latin typeface="Consolas" panose="020B0609020204030204" pitchFamily="49" charset="0"/>
+              </a:rPr>
+              <a:t>new</a:t>
+            </a:r>
+            <a:r>
+              <a:rPr lang="en-US" sz="1400" dirty="0">
+                <a:solidFill>
+                  <a:srgbClr val="000000"/>
+                </a:solidFill>
+                <a:latin typeface="Consolas" panose="020B0609020204030204" pitchFamily="49" charset="0"/>
+              </a:rPr>
+              <a:t> </a:t>
+            </a:r>
+            <a:r>
+              <a:rPr lang="en-US" sz="1400" dirty="0" err="1">
+                <a:solidFill>
+                  <a:srgbClr val="2B91AF"/>
+                </a:solidFill>
+                <a:latin typeface="Consolas" panose="020B0609020204030204" pitchFamily="49" charset="0"/>
+              </a:rPr>
+              <a:t>MobileServiceClient</a:t>
+            </a:r>
+            <a:r>
+              <a:rPr lang="en-US" sz="1400" dirty="0">
+                <a:solidFill>
+                  <a:srgbClr val="000000"/>
+                </a:solidFill>
+                <a:latin typeface="Consolas" panose="020B0609020204030204" pitchFamily="49" charset="0"/>
+              </a:rPr>
+              <a:t>(</a:t>
+            </a:r>
+            <a:r>
+              <a:rPr lang="en-US" sz="1400" dirty="0" err="1">
+                <a:solidFill>
+                  <a:srgbClr val="2B91AF"/>
+                </a:solidFill>
+                <a:latin typeface="Consolas" panose="020B0609020204030204" pitchFamily="49" charset="0"/>
+              </a:rPr>
+              <a:t>AppSettings</a:t>
+            </a:r>
+            <a:r>
+              <a:rPr lang="en-US" sz="1400" dirty="0" err="1">
+                <a:solidFill>
+                  <a:srgbClr val="000000"/>
+                </a:solidFill>
+                <a:latin typeface="Consolas" panose="020B0609020204030204" pitchFamily="49" charset="0"/>
+              </a:rPr>
+              <a:t>.ApiAddress</a:t>
+            </a:r>
+            <a:r>
+              <a:rPr lang="en-US" sz="1400" dirty="0">
+                <a:solidFill>
+                  <a:srgbClr val="000000"/>
+                </a:solidFill>
+                <a:latin typeface="Consolas" panose="020B0609020204030204" pitchFamily="49" charset="0"/>
+              </a:rPr>
+              <a:t>);</a:t>
+            </a:r>
+          </a:p>
+          <a:p>
+            <a:r>
+              <a:rPr lang="en-GB" sz="1400" dirty="0">
+                <a:solidFill>
+                  <a:srgbClr val="000000"/>
+                </a:solidFill>
+                <a:latin typeface="Consolas" panose="020B0609020204030204" pitchFamily="49" charset="0"/>
+              </a:rPr>
+              <a:t>    </a:t>
+            </a:r>
+            <a:r>
+              <a:rPr lang="en-GB" sz="1400" dirty="0">
+                <a:solidFill>
+                  <a:srgbClr val="008000"/>
+                </a:solidFill>
+                <a:latin typeface="Consolas" panose="020B0609020204030204" pitchFamily="49" charset="0"/>
+              </a:rPr>
+              <a:t>//We add </a:t>
+            </a:r>
+            <a:r>
+              <a:rPr lang="en-GB" sz="1400" dirty="0" err="1">
+                <a:solidFill>
+                  <a:srgbClr val="008000"/>
+                </a:solidFill>
+                <a:latin typeface="Consolas" panose="020B0609020204030204" pitchFamily="49" charset="0"/>
+              </a:rPr>
+              <a:t>MobileServiceFileJsonConverter</a:t>
+            </a:r>
+            <a:r>
+              <a:rPr lang="en-GB" sz="1400" dirty="0">
+                <a:solidFill>
+                  <a:srgbClr val="008000"/>
+                </a:solidFill>
+                <a:latin typeface="Consolas" panose="020B0609020204030204" pitchFamily="49" charset="0"/>
+              </a:rPr>
+              <a:t> to the list of available converters to avoid an internal that occurs randomly</a:t>
+            </a:r>
+            <a:endParaRPr lang="en-GB" sz="1400" dirty="0">
+              <a:solidFill>
+                <a:srgbClr val="000000"/>
+              </a:solidFill>
+              <a:latin typeface="Consolas" panose="020B0609020204030204" pitchFamily="49" charset="0"/>
+            </a:endParaRPr>
+          </a:p>
+          <a:p>
+            <a:r>
+              <a:rPr lang="en-US" sz="1400" dirty="0">
+                <a:solidFill>
+                  <a:srgbClr val="000000"/>
+                </a:solidFill>
+                <a:latin typeface="Consolas" panose="020B0609020204030204" pitchFamily="49" charset="0"/>
+              </a:rPr>
+              <a:t>    </a:t>
+            </a:r>
+            <a:r>
+              <a:rPr lang="en-US" sz="1400" dirty="0" err="1">
+                <a:solidFill>
+                  <a:srgbClr val="0000FF"/>
+                </a:solidFill>
+                <a:latin typeface="Consolas" panose="020B0609020204030204" pitchFamily="49" charset="0"/>
+              </a:rPr>
+              <a:t>this</a:t>
+            </a:r>
+            <a:r>
+              <a:rPr lang="en-US" sz="1400" dirty="0" err="1">
+                <a:solidFill>
+                  <a:srgbClr val="000000"/>
+                </a:solidFill>
+                <a:latin typeface="Consolas" panose="020B0609020204030204" pitchFamily="49" charset="0"/>
+              </a:rPr>
+              <a:t>.MobileService.SerializerSettings.Converters.Add</a:t>
+            </a:r>
+            <a:r>
+              <a:rPr lang="en-US" sz="1400" dirty="0">
+                <a:solidFill>
+                  <a:srgbClr val="000000"/>
+                </a:solidFill>
+                <a:latin typeface="Consolas" panose="020B0609020204030204" pitchFamily="49" charset="0"/>
+              </a:rPr>
+              <a:t>(</a:t>
+            </a:r>
+            <a:r>
+              <a:rPr lang="en-US" sz="1400" dirty="0">
+                <a:solidFill>
+                  <a:srgbClr val="0000FF"/>
+                </a:solidFill>
+                <a:latin typeface="Consolas" panose="020B0609020204030204" pitchFamily="49" charset="0"/>
+              </a:rPr>
+              <a:t>new </a:t>
+            </a:r>
+            <a:r>
+              <a:rPr lang="en-US" sz="1400" dirty="0" err="1">
+                <a:solidFill>
+                  <a:srgbClr val="2B91AF"/>
+                </a:solidFill>
+                <a:latin typeface="Consolas" panose="020B0609020204030204" pitchFamily="49" charset="0"/>
+              </a:rPr>
+              <a:t>MobileServiceFileJsonConverter</a:t>
+            </a:r>
+            <a:r>
+              <a:rPr lang="en-US" sz="1400" dirty="0">
+                <a:solidFill>
+                  <a:srgbClr val="000000"/>
+                </a:solidFill>
+                <a:latin typeface="Consolas" panose="020B0609020204030204" pitchFamily="49" charset="0"/>
+              </a:rPr>
+              <a:t>(</a:t>
+            </a:r>
+            <a:r>
+              <a:rPr lang="en-US" sz="1400" dirty="0" err="1">
+                <a:solidFill>
+                  <a:srgbClr val="0000FF"/>
+                </a:solidFill>
+                <a:latin typeface="Consolas" panose="020B0609020204030204" pitchFamily="49" charset="0"/>
+              </a:rPr>
+              <a:t>this</a:t>
+            </a:r>
+            <a:r>
+              <a:rPr lang="en-US" sz="1400" dirty="0" err="1">
+                <a:solidFill>
+                  <a:srgbClr val="000000"/>
+                </a:solidFill>
+                <a:latin typeface="Consolas" panose="020B0609020204030204" pitchFamily="49" charset="0"/>
+              </a:rPr>
+              <a:t>.MobileService</a:t>
+            </a:r>
+            <a:r>
+              <a:rPr lang="en-US" sz="1400" dirty="0">
+                <a:solidFill>
+                  <a:srgbClr val="000000"/>
+                </a:solidFill>
+                <a:latin typeface="Consolas" panose="020B0609020204030204" pitchFamily="49" charset="0"/>
+              </a:rPr>
+              <a:t>));</a:t>
+            </a:r>
+          </a:p>
+          <a:p>
+            <a:endParaRPr lang="en-US" sz="1400" dirty="0">
+              <a:solidFill>
+                <a:srgbClr val="000000"/>
+              </a:solidFill>
+              <a:latin typeface="Consolas" panose="020B0609020204030204" pitchFamily="49" charset="0"/>
+            </a:endParaRPr>
+          </a:p>
+          <a:p>
+            <a:r>
+              <a:rPr lang="en-GB" sz="1400" dirty="0">
+                <a:solidFill>
+                  <a:srgbClr val="000000"/>
+                </a:solidFill>
+                <a:latin typeface="Consolas" panose="020B0609020204030204" pitchFamily="49" charset="0"/>
+              </a:rPr>
+              <a:t>    </a:t>
+            </a:r>
+            <a:r>
+              <a:rPr lang="en-GB" sz="1400" dirty="0">
+                <a:solidFill>
+                  <a:srgbClr val="008000"/>
+                </a:solidFill>
+                <a:latin typeface="Consolas" panose="020B0609020204030204" pitchFamily="49" charset="0"/>
+              </a:rPr>
+              <a:t>//setup our local </a:t>
+            </a:r>
+            <a:r>
+              <a:rPr lang="en-GB" sz="1400" dirty="0" err="1">
+                <a:solidFill>
+                  <a:srgbClr val="008000"/>
+                </a:solidFill>
+                <a:latin typeface="Consolas" panose="020B0609020204030204" pitchFamily="49" charset="0"/>
+              </a:rPr>
+              <a:t>sqlite</a:t>
+            </a:r>
+            <a:r>
+              <a:rPr lang="en-GB" sz="1400" dirty="0">
+                <a:solidFill>
+                  <a:srgbClr val="008000"/>
+                </a:solidFill>
+                <a:latin typeface="Consolas" panose="020B0609020204030204" pitchFamily="49" charset="0"/>
+              </a:rPr>
+              <a:t> store and </a:t>
+            </a:r>
+            <a:r>
+              <a:rPr lang="en-GB" sz="1400" dirty="0" err="1">
+                <a:solidFill>
+                  <a:srgbClr val="008000"/>
+                </a:solidFill>
+                <a:latin typeface="Consolas" panose="020B0609020204030204" pitchFamily="49" charset="0"/>
+              </a:rPr>
+              <a:t>intialize</a:t>
+            </a:r>
+            <a:r>
+              <a:rPr lang="en-GB" sz="1400" dirty="0">
+                <a:solidFill>
+                  <a:srgbClr val="008000"/>
+                </a:solidFill>
+                <a:latin typeface="Consolas" panose="020B0609020204030204" pitchFamily="49" charset="0"/>
+              </a:rPr>
+              <a:t> our table</a:t>
+            </a:r>
+            <a:endParaRPr lang="en-GB" sz="1400" dirty="0">
+              <a:solidFill>
+                <a:srgbClr val="000000"/>
+              </a:solidFill>
+              <a:latin typeface="Consolas" panose="020B0609020204030204" pitchFamily="49" charset="0"/>
+            </a:endParaRPr>
+          </a:p>
+          <a:p>
+            <a:r>
+              <a:rPr lang="en-US" sz="1400" dirty="0">
+                <a:solidFill>
+                  <a:srgbClr val="000000"/>
+                </a:solidFill>
+                <a:latin typeface="Consolas" panose="020B0609020204030204" pitchFamily="49" charset="0"/>
+              </a:rPr>
+              <a:t>    </a:t>
+            </a:r>
+            <a:r>
+              <a:rPr lang="en-US" sz="1400" dirty="0" err="1">
+                <a:solidFill>
+                  <a:srgbClr val="0000FF"/>
+                </a:solidFill>
+                <a:latin typeface="Consolas" panose="020B0609020204030204" pitchFamily="49" charset="0"/>
+              </a:rPr>
+              <a:t>var</a:t>
+            </a:r>
+            <a:r>
+              <a:rPr lang="en-US" sz="1400" dirty="0">
+                <a:solidFill>
+                  <a:srgbClr val="000000"/>
+                </a:solidFill>
+                <a:latin typeface="Consolas" panose="020B0609020204030204" pitchFamily="49" charset="0"/>
+              </a:rPr>
+              <a:t> store = </a:t>
+            </a:r>
+            <a:r>
+              <a:rPr lang="en-US" sz="1400" dirty="0">
+                <a:solidFill>
+                  <a:srgbClr val="0000FF"/>
+                </a:solidFill>
+                <a:latin typeface="Consolas" panose="020B0609020204030204" pitchFamily="49" charset="0"/>
+              </a:rPr>
+              <a:t>new</a:t>
+            </a:r>
+            <a:r>
+              <a:rPr lang="en-US" sz="1400" dirty="0">
+                <a:solidFill>
+                  <a:srgbClr val="000000"/>
+                </a:solidFill>
+                <a:latin typeface="Consolas" panose="020B0609020204030204" pitchFamily="49" charset="0"/>
+              </a:rPr>
+              <a:t> </a:t>
+            </a:r>
+            <a:r>
+              <a:rPr lang="en-US" sz="1400" dirty="0" err="1">
+                <a:solidFill>
+                  <a:srgbClr val="2B91AF"/>
+                </a:solidFill>
+                <a:latin typeface="Consolas" panose="020B0609020204030204" pitchFamily="49" charset="0"/>
+              </a:rPr>
+              <a:t>MobileServiceSQLiteStore</a:t>
+            </a:r>
+            <a:r>
+              <a:rPr lang="en-US" sz="1400" dirty="0">
+                <a:solidFill>
+                  <a:srgbClr val="000000"/>
+                </a:solidFill>
+                <a:latin typeface="Consolas" panose="020B0609020204030204" pitchFamily="49" charset="0"/>
+              </a:rPr>
+              <a:t>(path);</a:t>
+            </a:r>
+          </a:p>
+          <a:p>
+            <a:r>
+              <a:rPr lang="en-US" sz="1400" dirty="0">
+                <a:solidFill>
+                  <a:srgbClr val="000000"/>
+                </a:solidFill>
+                <a:latin typeface="Consolas" panose="020B0609020204030204" pitchFamily="49" charset="0"/>
+              </a:rPr>
+              <a:t>    </a:t>
+            </a:r>
+            <a:r>
+              <a:rPr lang="en-US" sz="1400" dirty="0" err="1">
+                <a:solidFill>
+                  <a:srgbClr val="000000"/>
+                </a:solidFill>
+                <a:latin typeface="Consolas" panose="020B0609020204030204" pitchFamily="49" charset="0"/>
+              </a:rPr>
+              <a:t>store.DefineTable</a:t>
+            </a:r>
+            <a:r>
+              <a:rPr lang="en-US" sz="1400" dirty="0">
+                <a:solidFill>
+                  <a:srgbClr val="000000"/>
+                </a:solidFill>
+                <a:latin typeface="Consolas" panose="020B0609020204030204" pitchFamily="49" charset="0"/>
+              </a:rPr>
+              <a:t>&lt;</a:t>
+            </a:r>
+            <a:r>
+              <a:rPr lang="en-US" sz="1400" dirty="0" err="1">
+                <a:solidFill>
+                  <a:srgbClr val="2B91AF"/>
+                </a:solidFill>
+                <a:latin typeface="Consolas" panose="020B0609020204030204" pitchFamily="49" charset="0"/>
+              </a:rPr>
+              <a:t>SaleItem</a:t>
+            </a:r>
+            <a:r>
+              <a:rPr lang="en-US" sz="1400" dirty="0">
+                <a:solidFill>
+                  <a:srgbClr val="000000"/>
+                </a:solidFill>
+                <a:latin typeface="Consolas" panose="020B0609020204030204" pitchFamily="49" charset="0"/>
+              </a:rPr>
+              <a:t>&gt;();</a:t>
+            </a:r>
+          </a:p>
+          <a:p>
+            <a:endParaRPr lang="en-US" sz="1400" dirty="0">
+              <a:solidFill>
+                <a:srgbClr val="000000"/>
+              </a:solidFill>
+              <a:latin typeface="Consolas" panose="020B0609020204030204" pitchFamily="49" charset="0"/>
+            </a:endParaRPr>
+          </a:p>
+          <a:p>
+            <a:r>
+              <a:rPr lang="en-GB" sz="1400" dirty="0">
+                <a:solidFill>
+                  <a:srgbClr val="000000"/>
+                </a:solidFill>
+                <a:latin typeface="Consolas" panose="020B0609020204030204" pitchFamily="49" charset="0"/>
+              </a:rPr>
+              <a:t>    </a:t>
+            </a:r>
+            <a:r>
+              <a:rPr lang="en-GB" sz="1400" dirty="0">
+                <a:solidFill>
+                  <a:srgbClr val="008000"/>
+                </a:solidFill>
+                <a:latin typeface="Consolas" panose="020B0609020204030204" pitchFamily="49" charset="0"/>
+              </a:rPr>
+              <a:t>//Get our sync table that will call out to azure</a:t>
+            </a:r>
+            <a:endParaRPr lang="en-GB" sz="1400" dirty="0">
+              <a:solidFill>
+                <a:srgbClr val="000000"/>
+              </a:solidFill>
+              <a:latin typeface="Consolas" panose="020B0609020204030204" pitchFamily="49" charset="0"/>
+            </a:endParaRPr>
+          </a:p>
+          <a:p>
+            <a:r>
+              <a:rPr lang="en-US" sz="1400" dirty="0">
+                <a:solidFill>
+                  <a:srgbClr val="000000"/>
+                </a:solidFill>
+                <a:latin typeface="Consolas" panose="020B0609020204030204" pitchFamily="49" charset="0"/>
+              </a:rPr>
+              <a:t>    </a:t>
+            </a:r>
+            <a:r>
+              <a:rPr lang="en-US" sz="1400" dirty="0" err="1">
+                <a:solidFill>
+                  <a:srgbClr val="0000FF"/>
+                </a:solidFill>
+                <a:latin typeface="Consolas" panose="020B0609020204030204" pitchFamily="49" charset="0"/>
+              </a:rPr>
+              <a:t>this</a:t>
+            </a:r>
+            <a:r>
+              <a:rPr lang="en-US" sz="1400" dirty="0" err="1">
+                <a:solidFill>
+                  <a:srgbClr val="000000"/>
+                </a:solidFill>
+                <a:latin typeface="Consolas" panose="020B0609020204030204" pitchFamily="49" charset="0"/>
+              </a:rPr>
+              <a:t>.saleItemsTable</a:t>
+            </a:r>
+            <a:r>
+              <a:rPr lang="en-US" sz="1400" dirty="0">
+                <a:solidFill>
+                  <a:srgbClr val="000000"/>
+                </a:solidFill>
+                <a:latin typeface="Consolas" panose="020B0609020204030204" pitchFamily="49" charset="0"/>
+              </a:rPr>
+              <a:t> = </a:t>
+            </a:r>
+            <a:r>
+              <a:rPr lang="en-US" sz="1400" dirty="0" err="1">
+                <a:solidFill>
+                  <a:srgbClr val="0000FF"/>
+                </a:solidFill>
+                <a:latin typeface="Consolas" panose="020B0609020204030204" pitchFamily="49" charset="0"/>
+              </a:rPr>
+              <a:t>this</a:t>
+            </a:r>
+            <a:r>
+              <a:rPr lang="en-US" sz="1400" dirty="0" err="1">
+                <a:solidFill>
+                  <a:srgbClr val="000000"/>
+                </a:solidFill>
+                <a:latin typeface="Consolas" panose="020B0609020204030204" pitchFamily="49" charset="0"/>
+              </a:rPr>
+              <a:t>.MobileService.GetSyncTable</a:t>
+            </a:r>
+            <a:r>
+              <a:rPr lang="en-US" sz="1400" dirty="0">
+                <a:solidFill>
+                  <a:srgbClr val="000000"/>
+                </a:solidFill>
+                <a:latin typeface="Consolas" panose="020B0609020204030204" pitchFamily="49" charset="0"/>
+              </a:rPr>
+              <a:t>&lt;</a:t>
+            </a:r>
+            <a:r>
+              <a:rPr lang="en-US" sz="1400" dirty="0" err="1">
+                <a:solidFill>
+                  <a:srgbClr val="2B91AF"/>
+                </a:solidFill>
+                <a:latin typeface="Consolas" panose="020B0609020204030204" pitchFamily="49" charset="0"/>
+              </a:rPr>
+              <a:t>SaleItem</a:t>
+            </a:r>
+            <a:r>
+              <a:rPr lang="en-US" sz="1400" dirty="0">
+                <a:solidFill>
+                  <a:srgbClr val="000000"/>
+                </a:solidFill>
+                <a:latin typeface="Consolas" panose="020B0609020204030204" pitchFamily="49" charset="0"/>
+              </a:rPr>
+              <a:t>&gt;();</a:t>
+            </a:r>
+          </a:p>
+          <a:p>
+            <a:r>
+              <a:rPr lang="en-US" sz="1400" dirty="0">
+                <a:solidFill>
+                  <a:srgbClr val="000000"/>
+                </a:solidFill>
+                <a:latin typeface="Consolas" panose="020B0609020204030204" pitchFamily="49" charset="0"/>
+              </a:rPr>
+              <a:t>}</a:t>
+            </a:r>
+          </a:p>
+        </p:txBody>
+      </p:sp>
+      <p:pic>
+        <p:nvPicPr>
+          <p:cNvPr id="10" name="Picture 9"/>
+          <p:cNvPicPr>
+            <a:picLocks noChangeAspect="1"/>
+          </p:cNvPicPr>
+          <p:nvPr/>
+        </p:nvPicPr>
+        <p:blipFill>
+          <a:blip r:embed="rId5"/>
+          <a:stretch>
+            <a:fillRect/>
+          </a:stretch>
+        </p:blipFill>
+        <p:spPr>
+          <a:xfrm>
+            <a:off x="7486325" y="4603102"/>
+            <a:ext cx="2073004" cy="2073004"/>
+          </a:xfrm>
+          <a:prstGeom prst="rect">
+            <a:avLst/>
+          </a:prstGeom>
+        </p:spPr>
+      </p:pic>
+    </p:spTree>
+    <p:extLst>
+      <p:ext uri="{BB962C8B-B14F-4D97-AF65-F5344CB8AC3E}">
+        <p14:creationId xmlns:p14="http://schemas.microsoft.com/office/powerpoint/2010/main" val="1663789780"/>
+      </p:ext>
+    </p:extLst>
+  </p:cSld>
+  <p:clrMapOvr>
+    <a:masterClrMapping/>
+  </p:clrMapOvr>
+  <p:transition>
+    <p:fade/>
+  </p:transition>
+</p:sld>
+</file>
+
+<file path=ppt/slides/slide31.xml><?xml version="1.0" encoding="utf-8"?>
+<p:sld xmlns:a="http://schemas.openxmlformats.org/drawingml/2006/main" xmlns:r="http://schemas.openxmlformats.org/officeDocument/2006/relationships" xmlns:p="http://schemas.openxmlformats.org/presentationml/2006/main">
+  <p:cSld>
+    <p:bg>
+      <p:bgPr>
+        <a:blipFill dpi="0" rotWithShape="1">
+          <a:blip r:embed="rId3">
+            <a:alphaModFix amt="12000"/>
+            <a:lum/>
+          </a:blip>
+          <a:srcRect/>
+          <a:stretch>
+            <a:fillRect l="-45000" t="-39000" r="45000" b="-39000"/>
+          </a:stretch>
+        </a:blipFill>
+        <a:effectLst/>
+      </p:bgPr>
+    </p:bg>
+    <p:spTree>
+      <p:nvGrpSpPr>
+        <p:cNvPr id="1" name=""/>
+        <p:cNvGrpSpPr/>
+        <p:nvPr/>
+      </p:nvGrpSpPr>
+      <p:grpSpPr>
+        <a:xfrm>
+          <a:off x="0" y="0"/>
+          <a:ext cx="0" cy="0"/>
+          <a:chOff x="0" y="0"/>
+          <a:chExt cx="0" cy="0"/>
+        </a:xfrm>
+      </p:grpSpPr>
+      <p:sp>
+        <p:nvSpPr>
+          <p:cNvPr id="8" name="TextBox 7"/>
+          <p:cNvSpPr txBox="1"/>
+          <p:nvPr/>
+        </p:nvSpPr>
+        <p:spPr>
+          <a:xfrm>
+            <a:off x="4145965" y="-846623"/>
+            <a:ext cx="362072" cy="621556"/>
+          </a:xfrm>
+          <a:prstGeom prst="rect">
+            <a:avLst/>
+          </a:prstGeom>
+          <a:noFill/>
+        </p:spPr>
+        <p:txBody>
+          <a:bodyPr wrap="none" lIns="179285" tIns="143428" rIns="179285" bIns="143428" rtlCol="0">
+            <a:spAutoFit/>
+          </a:bodyPr>
+          <a:lstStyle/>
+          <a:p>
+            <a:pPr>
+              <a:lnSpc>
+                <a:spcPct val="90000"/>
+              </a:lnSpc>
+              <a:spcAft>
+                <a:spcPts val="588"/>
+              </a:spcAft>
+            </a:pPr>
+            <a:endParaRPr lang="en-US" sz="2353" dirty="0" err="1">
+              <a:gradFill>
+                <a:gsLst>
+                  <a:gs pos="2917">
+                    <a:schemeClr val="tx1"/>
+                  </a:gs>
+                  <a:gs pos="30000">
+                    <a:schemeClr val="tx1"/>
+                  </a:gs>
+                </a:gsLst>
+                <a:lin ang="5400000" scaled="0"/>
+              </a:gradFill>
+            </a:endParaRPr>
+          </a:p>
+        </p:txBody>
+      </p:sp>
+      <p:sp>
+        <p:nvSpPr>
+          <p:cNvPr id="3" name="Title 1"/>
+          <p:cNvSpPr txBox="1">
+            <a:spLocks/>
+          </p:cNvSpPr>
+          <p:nvPr/>
+        </p:nvSpPr>
+        <p:spPr>
+          <a:xfrm>
+            <a:off x="1535866" y="232232"/>
+            <a:ext cx="5816121" cy="1231314"/>
+          </a:xfrm>
+          <a:prstGeom prst="rect">
+            <a:avLst/>
+          </a:prstGeom>
+        </p:spPr>
+        <p:txBody>
+          <a:bodyPr vert="horz" wrap="square" lIns="143428" tIns="89642" rIns="143428" bIns="89642" rtlCol="0" anchor="t">
+            <a:noAutofit/>
+          </a:bodyPr>
+          <a:lstStyle>
+            <a:lvl1pPr algn="l" defTabSz="932742" rtl="0" eaLnBrk="1" latinLnBrk="0" hangingPunct="1">
+              <a:lnSpc>
+                <a:spcPct val="90000"/>
+              </a:lnSpc>
+              <a:spcBef>
+                <a:spcPct val="0"/>
+              </a:spcBef>
+              <a:buNone/>
+              <a:defRPr lang="en-US" sz="4800" b="0" kern="1200" cap="none" spc="-102" baseline="0">
+                <a:ln w="3175">
+                  <a:noFill/>
+                </a:ln>
+                <a:gradFill>
+                  <a:gsLst>
+                    <a:gs pos="1250">
+                      <a:schemeClr val="tx1"/>
+                    </a:gs>
+                    <a:gs pos="100000">
+                      <a:schemeClr val="tx1"/>
+                    </a:gs>
+                  </a:gsLst>
+                  <a:lin ang="5400000" scaled="0"/>
+                </a:gradFill>
+                <a:effectLst/>
+                <a:latin typeface="+mj-lt"/>
+                <a:ea typeface="+mn-ea"/>
+                <a:cs typeface="Segoe UI" pitchFamily="34" charset="0"/>
+              </a:defRPr>
+            </a:lvl1pPr>
+          </a:lstStyle>
+          <a:p>
+            <a:r>
+              <a:rPr lang="en-GB" sz="4400" b="1" dirty="0"/>
+              <a:t>Offline Data Sync:</a:t>
+            </a:r>
+          </a:p>
+          <a:p>
+            <a:r>
+              <a:rPr lang="en-GB" sz="2800" b="1" dirty="0"/>
+              <a:t>Enabling Offline Data Sync in client side</a:t>
+            </a:r>
+            <a:endParaRPr lang="en-US" b="1" dirty="0"/>
+          </a:p>
+        </p:txBody>
+      </p:sp>
+      <p:pic>
+        <p:nvPicPr>
+          <p:cNvPr id="2" name="Picture 1"/>
+          <p:cNvPicPr>
+            <a:picLocks noChangeAspect="1"/>
+          </p:cNvPicPr>
+          <p:nvPr/>
+        </p:nvPicPr>
+        <p:blipFill>
+          <a:blip r:embed="rId4"/>
+          <a:stretch>
+            <a:fillRect/>
+          </a:stretch>
+        </p:blipFill>
+        <p:spPr>
+          <a:xfrm>
+            <a:off x="10543216" y="95549"/>
+            <a:ext cx="1531024" cy="1531024"/>
+          </a:xfrm>
+          <a:prstGeom prst="rect">
+            <a:avLst/>
+          </a:prstGeom>
+        </p:spPr>
+      </p:pic>
+      <p:sp>
+        <p:nvSpPr>
+          <p:cNvPr id="5" name="TextBox 4"/>
+          <p:cNvSpPr txBox="1"/>
+          <p:nvPr/>
+        </p:nvSpPr>
+        <p:spPr>
+          <a:xfrm>
+            <a:off x="385090" y="1531554"/>
+            <a:ext cx="10973376" cy="1680460"/>
+          </a:xfrm>
+          <a:prstGeom prst="rect">
+            <a:avLst/>
+          </a:prstGeom>
+          <a:noFill/>
+        </p:spPr>
+        <p:txBody>
+          <a:bodyPr wrap="square" lIns="182880" tIns="146304" rIns="182880" bIns="146304" rtlCol="0">
+            <a:spAutoFit/>
+          </a:bodyPr>
+          <a:lstStyle/>
+          <a:p>
+            <a:r>
+              <a:rPr lang="en-GB" dirty="0"/>
+              <a:t>From client platforms we will consequently call </a:t>
+            </a:r>
+            <a:r>
+              <a:rPr lang="en-GB" b="1" dirty="0" err="1"/>
+              <a:t>SaleItemDataService.GetSaleItems</a:t>
+            </a:r>
+            <a:r>
+              <a:rPr lang="en-GB" b="1" dirty="0"/>
+              <a:t>(),  </a:t>
+            </a:r>
+            <a:r>
+              <a:rPr lang="en-GB" dirty="0"/>
+              <a:t>which assures </a:t>
+            </a:r>
+            <a:r>
+              <a:rPr lang="en-GB" b="1" dirty="0" err="1"/>
+              <a:t>saleItemsTable</a:t>
+            </a:r>
+            <a:r>
+              <a:rPr lang="en-GB" dirty="0"/>
+              <a:t> is synced prior to projecting the list back to the views.</a:t>
+            </a:r>
+          </a:p>
+          <a:p>
+            <a:endParaRPr lang="en-GB" dirty="0"/>
+          </a:p>
+          <a:p>
+            <a:r>
+              <a:rPr lang="en-GB" dirty="0"/>
+              <a:t>The important bits regarding data syncing happen in the following lines of code:</a:t>
+            </a:r>
+          </a:p>
+          <a:p>
+            <a:endParaRPr lang="en-GB" dirty="0"/>
+          </a:p>
+        </p:txBody>
+      </p:sp>
+      <p:sp>
+        <p:nvSpPr>
+          <p:cNvPr id="4" name="Rectangle 3"/>
+          <p:cNvSpPr/>
+          <p:nvPr/>
+        </p:nvSpPr>
+        <p:spPr>
+          <a:xfrm>
+            <a:off x="311021" y="3006477"/>
+            <a:ext cx="11763219" cy="923330"/>
+          </a:xfrm>
+          <a:prstGeom prst="rect">
+            <a:avLst/>
+          </a:prstGeom>
+        </p:spPr>
+        <p:txBody>
+          <a:bodyPr wrap="square">
+            <a:spAutoFit/>
+          </a:bodyPr>
+          <a:lstStyle/>
+          <a:p>
+            <a:r>
+              <a:rPr lang="en-US" dirty="0">
+                <a:solidFill>
+                  <a:srgbClr val="0000FF"/>
+                </a:solidFill>
+                <a:latin typeface="Consolas" panose="020B0609020204030204" pitchFamily="49" charset="0"/>
+              </a:rPr>
+              <a:t>await</a:t>
+            </a:r>
+            <a:r>
+              <a:rPr lang="en-US" dirty="0">
+                <a:solidFill>
+                  <a:srgbClr val="000000"/>
+                </a:solidFill>
+                <a:latin typeface="Consolas" panose="020B0609020204030204" pitchFamily="49" charset="0"/>
+              </a:rPr>
+              <a:t> </a:t>
+            </a:r>
+            <a:r>
+              <a:rPr lang="en-US" dirty="0" err="1">
+                <a:solidFill>
+                  <a:srgbClr val="0000FF"/>
+                </a:solidFill>
+                <a:latin typeface="Consolas" panose="020B0609020204030204" pitchFamily="49" charset="0"/>
+              </a:rPr>
+              <a:t>this</a:t>
+            </a:r>
+            <a:r>
+              <a:rPr lang="en-US" dirty="0" err="1">
+                <a:solidFill>
+                  <a:srgbClr val="000000"/>
+                </a:solidFill>
+                <a:latin typeface="Consolas" panose="020B0609020204030204" pitchFamily="49" charset="0"/>
+              </a:rPr>
+              <a:t>.MobileService.SyncContext.PushAsync</a:t>
+            </a:r>
+            <a:r>
+              <a:rPr lang="en-US" dirty="0">
+                <a:solidFill>
+                  <a:srgbClr val="000000"/>
+                </a:solidFill>
+                <a:latin typeface="Consolas" panose="020B0609020204030204" pitchFamily="49" charset="0"/>
+              </a:rPr>
+              <a:t>();</a:t>
+            </a:r>
+          </a:p>
+          <a:p>
+            <a:endParaRPr lang="en-US" dirty="0">
+              <a:solidFill>
+                <a:srgbClr val="000000"/>
+              </a:solidFill>
+              <a:latin typeface="Consolas" panose="020B0609020204030204" pitchFamily="49" charset="0"/>
+            </a:endParaRPr>
+          </a:p>
+          <a:p>
+            <a:r>
+              <a:rPr lang="en-US" dirty="0">
+                <a:solidFill>
+                  <a:srgbClr val="0000FF"/>
+                </a:solidFill>
+                <a:latin typeface="Consolas" panose="020B0609020204030204" pitchFamily="49" charset="0"/>
+              </a:rPr>
+              <a:t>await</a:t>
+            </a:r>
+            <a:r>
+              <a:rPr lang="en-US" dirty="0">
+                <a:solidFill>
+                  <a:srgbClr val="000000"/>
+                </a:solidFill>
+                <a:latin typeface="Consolas" panose="020B0609020204030204" pitchFamily="49" charset="0"/>
+              </a:rPr>
+              <a:t> </a:t>
+            </a:r>
+            <a:r>
+              <a:rPr lang="en-US" dirty="0" err="1">
+                <a:solidFill>
+                  <a:srgbClr val="0000FF"/>
+                </a:solidFill>
+                <a:latin typeface="Consolas" panose="020B0609020204030204" pitchFamily="49" charset="0"/>
+              </a:rPr>
+              <a:t>this</a:t>
+            </a:r>
+            <a:r>
+              <a:rPr lang="en-US" dirty="0" err="1">
+                <a:solidFill>
+                  <a:srgbClr val="000000"/>
+                </a:solidFill>
+                <a:latin typeface="Consolas" panose="020B0609020204030204" pitchFamily="49" charset="0"/>
+              </a:rPr>
+              <a:t>.saleItemsTable.PullAsync</a:t>
+            </a:r>
+            <a:r>
+              <a:rPr lang="en-US" dirty="0">
+                <a:solidFill>
+                  <a:srgbClr val="000000"/>
+                </a:solidFill>
+                <a:latin typeface="Consolas" panose="020B0609020204030204" pitchFamily="49" charset="0"/>
+              </a:rPr>
+              <a:t>(</a:t>
+            </a:r>
+            <a:r>
+              <a:rPr lang="en-US" dirty="0">
+                <a:solidFill>
+                  <a:srgbClr val="A31515"/>
+                </a:solidFill>
+                <a:latin typeface="Consolas" panose="020B0609020204030204" pitchFamily="49" charset="0"/>
+              </a:rPr>
+              <a:t>"</a:t>
+            </a:r>
+            <a:r>
+              <a:rPr lang="en-US" dirty="0" err="1">
+                <a:solidFill>
+                  <a:srgbClr val="A31515"/>
+                </a:solidFill>
+                <a:latin typeface="Consolas" panose="020B0609020204030204" pitchFamily="49" charset="0"/>
+              </a:rPr>
+              <a:t>allSaleItems</a:t>
+            </a:r>
+            <a:r>
+              <a:rPr lang="en-US" dirty="0">
+                <a:solidFill>
+                  <a:srgbClr val="A31515"/>
+                </a:solidFill>
+                <a:latin typeface="Consolas" panose="020B0609020204030204" pitchFamily="49" charset="0"/>
+              </a:rPr>
+              <a:t>"</a:t>
+            </a:r>
+            <a:r>
+              <a:rPr lang="en-US" dirty="0">
+                <a:solidFill>
+                  <a:srgbClr val="000000"/>
+                </a:solidFill>
+                <a:latin typeface="Consolas" panose="020B0609020204030204" pitchFamily="49" charset="0"/>
+              </a:rPr>
+              <a:t>, </a:t>
+            </a:r>
+            <a:r>
+              <a:rPr lang="en-US" dirty="0" err="1">
+                <a:solidFill>
+                  <a:srgbClr val="0000FF"/>
+                </a:solidFill>
+                <a:latin typeface="Consolas" panose="020B0609020204030204" pitchFamily="49" charset="0"/>
+              </a:rPr>
+              <a:t>this</a:t>
+            </a:r>
+            <a:r>
+              <a:rPr lang="en-US" dirty="0" err="1">
+                <a:solidFill>
+                  <a:srgbClr val="000000"/>
+                </a:solidFill>
+                <a:latin typeface="Consolas" panose="020B0609020204030204" pitchFamily="49" charset="0"/>
+              </a:rPr>
+              <a:t>.saleItemsTable.CreateQuery</a:t>
+            </a:r>
+            <a:r>
+              <a:rPr lang="en-US" dirty="0">
+                <a:solidFill>
+                  <a:srgbClr val="000000"/>
+                </a:solidFill>
+                <a:latin typeface="Consolas" panose="020B0609020204030204" pitchFamily="49" charset="0"/>
+              </a:rPr>
+              <a:t>());</a:t>
+            </a:r>
+            <a:endParaRPr lang="en-US" dirty="0"/>
+          </a:p>
+        </p:txBody>
+      </p:sp>
+      <p:sp>
+        <p:nvSpPr>
+          <p:cNvPr id="11" name="TextBox 10"/>
+          <p:cNvSpPr txBox="1"/>
+          <p:nvPr/>
+        </p:nvSpPr>
+        <p:spPr>
+          <a:xfrm>
+            <a:off x="158045" y="4209440"/>
+            <a:ext cx="10973376" cy="2511457"/>
+          </a:xfrm>
+          <a:prstGeom prst="rect">
+            <a:avLst/>
+          </a:prstGeom>
+          <a:noFill/>
+        </p:spPr>
+        <p:txBody>
+          <a:bodyPr wrap="square" lIns="182880" tIns="146304" rIns="182880" bIns="146304" rtlCol="0">
+            <a:spAutoFit/>
+          </a:bodyPr>
+          <a:lstStyle/>
+          <a:p>
+            <a:r>
+              <a:rPr lang="en-GB" dirty="0"/>
+              <a:t>Two things happen here which are noticeable:</a:t>
+            </a:r>
+          </a:p>
+          <a:p>
+            <a:endParaRPr lang="en-GB" dirty="0"/>
+          </a:p>
+          <a:p>
+            <a:pPr marL="342900" indent="-342900">
+              <a:buFont typeface="+mj-lt"/>
+              <a:buAutoNum type="arabicPeriod"/>
+            </a:pPr>
+            <a:r>
+              <a:rPr lang="en-GB" dirty="0"/>
+              <a:t>Every modification is pushed to Azure in advance.</a:t>
+            </a:r>
+          </a:p>
+          <a:p>
+            <a:pPr marL="342900" indent="-342900">
+              <a:buFont typeface="+mj-lt"/>
+              <a:buAutoNum type="arabicPeriod"/>
+            </a:pPr>
+            <a:r>
+              <a:rPr lang="en-GB" dirty="0"/>
+              <a:t>The latest version of the data from Azure, regarding sale items, is downloaded to the client.</a:t>
+            </a:r>
+          </a:p>
+          <a:p>
+            <a:endParaRPr lang="en-GB" dirty="0"/>
+          </a:p>
+          <a:p>
+            <a:r>
+              <a:rPr lang="en-GB" dirty="0"/>
+              <a:t>That way we assure data to represent is coherent with data stored in Azure, including data changes performed by the user locally.</a:t>
+            </a:r>
+          </a:p>
+          <a:p>
+            <a:endParaRPr lang="en-GB" dirty="0"/>
+          </a:p>
+        </p:txBody>
+      </p:sp>
+    </p:spTree>
+    <p:extLst>
+      <p:ext uri="{BB962C8B-B14F-4D97-AF65-F5344CB8AC3E}">
+        <p14:creationId xmlns:p14="http://schemas.microsoft.com/office/powerpoint/2010/main" val="828441366"/>
+      </p:ext>
+    </p:extLst>
+  </p:cSld>
+  <p:clrMapOvr>
+    <a:masterClrMapping/>
+  </p:clrMapOvr>
+  <p:transition>
+    <p:fade/>
+  </p:transition>
+</p:sld>
+</file>
+
+<file path=ppt/slides/slide32.xml><?xml version="1.0" encoding="utf-8"?>
+<p:sld xmlns:a="http://schemas.openxmlformats.org/drawingml/2006/main" xmlns:r="http://schemas.openxmlformats.org/officeDocument/2006/relationships" xmlns:p="http://schemas.openxmlformats.org/presentationml/2006/main">
+  <p:cSld>
+    <p:bg>
+      <p:bgPr>
+        <a:blipFill dpi="0" rotWithShape="1">
+          <a:blip r:embed="rId3">
+            <a:alphaModFix amt="12000"/>
+            <a:lum/>
+          </a:blip>
+          <a:srcRect/>
+          <a:stretch>
+            <a:fillRect l="-45000" t="-39000" r="45000" b="-39000"/>
+          </a:stretch>
+        </a:blipFill>
+        <a:effectLst/>
+      </p:bgPr>
+    </p:bg>
+    <p:spTree>
+      <p:nvGrpSpPr>
+        <p:cNvPr id="1" name=""/>
+        <p:cNvGrpSpPr/>
+        <p:nvPr/>
+      </p:nvGrpSpPr>
+      <p:grpSpPr>
+        <a:xfrm>
+          <a:off x="0" y="0"/>
+          <a:ext cx="0" cy="0"/>
+          <a:chOff x="0" y="0"/>
+          <a:chExt cx="0" cy="0"/>
+        </a:xfrm>
+      </p:grpSpPr>
+      <p:sp>
+        <p:nvSpPr>
+          <p:cNvPr id="8" name="TextBox 7"/>
+          <p:cNvSpPr txBox="1"/>
+          <p:nvPr/>
+        </p:nvSpPr>
+        <p:spPr>
+          <a:xfrm>
+            <a:off x="4145965" y="-846623"/>
+            <a:ext cx="362072" cy="621556"/>
+          </a:xfrm>
+          <a:prstGeom prst="rect">
+            <a:avLst/>
+          </a:prstGeom>
+          <a:noFill/>
+        </p:spPr>
+        <p:txBody>
+          <a:bodyPr wrap="none" lIns="179285" tIns="143428" rIns="179285" bIns="143428" rtlCol="0">
+            <a:spAutoFit/>
+          </a:bodyPr>
+          <a:lstStyle/>
+          <a:p>
+            <a:pPr>
+              <a:lnSpc>
+                <a:spcPct val="90000"/>
+              </a:lnSpc>
+              <a:spcAft>
+                <a:spcPts val="588"/>
+              </a:spcAft>
+            </a:pPr>
+            <a:endParaRPr lang="en-US" sz="2353" dirty="0" err="1">
+              <a:gradFill>
+                <a:gsLst>
+                  <a:gs pos="2917">
+                    <a:schemeClr val="tx1"/>
+                  </a:gs>
+                  <a:gs pos="30000">
+                    <a:schemeClr val="tx1"/>
+                  </a:gs>
+                </a:gsLst>
+                <a:lin ang="5400000" scaled="0"/>
+              </a:gradFill>
+            </a:endParaRPr>
+          </a:p>
+        </p:txBody>
+      </p:sp>
+      <p:sp>
+        <p:nvSpPr>
+          <p:cNvPr id="3" name="Title 1"/>
+          <p:cNvSpPr txBox="1">
+            <a:spLocks/>
+          </p:cNvSpPr>
+          <p:nvPr/>
+        </p:nvSpPr>
+        <p:spPr>
+          <a:xfrm>
+            <a:off x="982785" y="450200"/>
+            <a:ext cx="9860672" cy="821722"/>
+          </a:xfrm>
+          <a:prstGeom prst="rect">
+            <a:avLst/>
+          </a:prstGeom>
+        </p:spPr>
+        <p:txBody>
+          <a:bodyPr vert="horz" wrap="square" lIns="143428" tIns="89642" rIns="143428" bIns="89642" rtlCol="0" anchor="t">
+            <a:noAutofit/>
+          </a:bodyPr>
+          <a:lstStyle>
+            <a:lvl1pPr algn="l" defTabSz="932742" rtl="0" eaLnBrk="1" latinLnBrk="0" hangingPunct="1">
+              <a:lnSpc>
+                <a:spcPct val="90000"/>
+              </a:lnSpc>
+              <a:spcBef>
+                <a:spcPct val="0"/>
+              </a:spcBef>
+              <a:buNone/>
+              <a:defRPr lang="en-US" sz="4800" b="0" kern="1200" cap="none" spc="-102" baseline="0">
+                <a:ln w="3175">
+                  <a:noFill/>
+                </a:ln>
+                <a:gradFill>
+                  <a:gsLst>
+                    <a:gs pos="1250">
+                      <a:schemeClr val="tx1"/>
+                    </a:gs>
+                    <a:gs pos="100000">
+                      <a:schemeClr val="tx1"/>
+                    </a:gs>
+                  </a:gsLst>
+                  <a:lin ang="5400000" scaled="0"/>
+                </a:gradFill>
+                <a:effectLst/>
+                <a:latin typeface="+mj-lt"/>
+                <a:ea typeface="+mn-ea"/>
+                <a:cs typeface="Segoe UI" pitchFamily="34" charset="0"/>
+              </a:defRPr>
+            </a:lvl1pPr>
+          </a:lstStyle>
+          <a:p>
+            <a:r>
+              <a:rPr lang="en-GB" b="1" dirty="0"/>
+              <a:t>Set up Offline Data Sync in client side</a:t>
+            </a:r>
+          </a:p>
+          <a:p>
+            <a:r>
+              <a:rPr lang="en-GB" sz="2800" b="1" dirty="0" err="1"/>
+              <a:t>Xamarin.iOS</a:t>
+            </a:r>
+            <a:endParaRPr lang="en-US" sz="2800" b="1" dirty="0"/>
+          </a:p>
+        </p:txBody>
+      </p:sp>
+      <p:pic>
+        <p:nvPicPr>
+          <p:cNvPr id="9" name="Picture 8"/>
+          <p:cNvPicPr>
+            <a:picLocks noChangeAspect="1"/>
+          </p:cNvPicPr>
+          <p:nvPr/>
+        </p:nvPicPr>
+        <p:blipFill>
+          <a:blip r:embed="rId4"/>
+          <a:stretch>
+            <a:fillRect/>
+          </a:stretch>
+        </p:blipFill>
+        <p:spPr>
+          <a:xfrm>
+            <a:off x="61306" y="339045"/>
+            <a:ext cx="1005007" cy="1248455"/>
+          </a:xfrm>
+          <a:prstGeom prst="rect">
+            <a:avLst/>
+          </a:prstGeom>
+        </p:spPr>
+      </p:pic>
+      <p:pic>
+        <p:nvPicPr>
+          <p:cNvPr id="7" name="Picture 6"/>
+          <p:cNvPicPr>
+            <a:picLocks noChangeAspect="1"/>
+          </p:cNvPicPr>
+          <p:nvPr/>
+        </p:nvPicPr>
+        <p:blipFill>
+          <a:blip r:embed="rId5"/>
+          <a:stretch>
+            <a:fillRect/>
+          </a:stretch>
+        </p:blipFill>
+        <p:spPr>
+          <a:xfrm>
+            <a:off x="10543216" y="95549"/>
+            <a:ext cx="1531024" cy="1531024"/>
+          </a:xfrm>
+          <a:prstGeom prst="rect">
+            <a:avLst/>
+          </a:prstGeom>
+        </p:spPr>
+      </p:pic>
+    </p:spTree>
+    <p:extLst>
+      <p:ext uri="{BB962C8B-B14F-4D97-AF65-F5344CB8AC3E}">
+        <p14:creationId xmlns:p14="http://schemas.microsoft.com/office/powerpoint/2010/main" val="627441145"/>
+      </p:ext>
+    </p:extLst>
+  </p:cSld>
+  <p:clrMapOvr>
+    <a:masterClrMapping/>
+  </p:clrMapOvr>
+  <p:transition>
+    <p:fade/>
+  </p:transition>
+</p:sld>
+</file>
+
+<file path=ppt/slides/slide33.xml><?xml version="1.0" encoding="utf-8"?>
+<p:sld xmlns:a="http://schemas.openxmlformats.org/drawingml/2006/main" xmlns:r="http://schemas.openxmlformats.org/officeDocument/2006/relationships" xmlns:p="http://schemas.openxmlformats.org/presentationml/2006/main">
+  <p:cSld>
+    <p:bg>
+      <p:bgPr>
+        <a:blipFill dpi="0" rotWithShape="1">
+          <a:blip r:embed="rId3">
+            <a:alphaModFix amt="12000"/>
+            <a:lum/>
+          </a:blip>
+          <a:srcRect/>
+          <a:stretch>
+            <a:fillRect l="-45000" t="-39000" r="45000" b="-39000"/>
+          </a:stretch>
+        </a:blipFill>
+        <a:effectLst/>
+      </p:bgPr>
+    </p:bg>
+    <p:spTree>
+      <p:nvGrpSpPr>
+        <p:cNvPr id="1" name=""/>
+        <p:cNvGrpSpPr/>
+        <p:nvPr/>
+      </p:nvGrpSpPr>
+      <p:grpSpPr>
+        <a:xfrm>
+          <a:off x="0" y="0"/>
+          <a:ext cx="0" cy="0"/>
+          <a:chOff x="0" y="0"/>
+          <a:chExt cx="0" cy="0"/>
+        </a:xfrm>
+      </p:grpSpPr>
+      <p:sp>
+        <p:nvSpPr>
+          <p:cNvPr id="8" name="TextBox 7"/>
+          <p:cNvSpPr txBox="1"/>
+          <p:nvPr/>
+        </p:nvSpPr>
+        <p:spPr>
+          <a:xfrm>
+            <a:off x="4145965" y="-846623"/>
+            <a:ext cx="362072" cy="621556"/>
+          </a:xfrm>
+          <a:prstGeom prst="rect">
+            <a:avLst/>
+          </a:prstGeom>
+          <a:noFill/>
+        </p:spPr>
+        <p:txBody>
+          <a:bodyPr wrap="none" lIns="179285" tIns="143428" rIns="179285" bIns="143428" rtlCol="0">
+            <a:spAutoFit/>
+          </a:bodyPr>
+          <a:lstStyle/>
+          <a:p>
+            <a:pPr>
+              <a:lnSpc>
+                <a:spcPct val="90000"/>
+              </a:lnSpc>
+              <a:spcAft>
+                <a:spcPts val="588"/>
+              </a:spcAft>
+            </a:pPr>
+            <a:endParaRPr lang="en-US" sz="2353" dirty="0" err="1">
+              <a:gradFill>
+                <a:gsLst>
+                  <a:gs pos="2917">
+                    <a:schemeClr val="tx1"/>
+                  </a:gs>
+                  <a:gs pos="30000">
+                    <a:schemeClr val="tx1"/>
+                  </a:gs>
+                </a:gsLst>
+                <a:lin ang="5400000" scaled="0"/>
+              </a:gradFill>
+            </a:endParaRPr>
+          </a:p>
+        </p:txBody>
+      </p:sp>
+      <p:sp>
+        <p:nvSpPr>
+          <p:cNvPr id="3" name="Title 1"/>
+          <p:cNvSpPr txBox="1">
+            <a:spLocks/>
+          </p:cNvSpPr>
+          <p:nvPr/>
+        </p:nvSpPr>
+        <p:spPr>
+          <a:xfrm>
+            <a:off x="982785" y="450200"/>
+            <a:ext cx="9860672" cy="821722"/>
+          </a:xfrm>
+          <a:prstGeom prst="rect">
+            <a:avLst/>
+          </a:prstGeom>
+        </p:spPr>
+        <p:txBody>
+          <a:bodyPr vert="horz" wrap="square" lIns="143428" tIns="89642" rIns="143428" bIns="89642" rtlCol="0" anchor="t">
+            <a:noAutofit/>
+          </a:bodyPr>
+          <a:lstStyle>
+            <a:lvl1pPr algn="l" defTabSz="932742" rtl="0" eaLnBrk="1" latinLnBrk="0" hangingPunct="1">
+              <a:lnSpc>
+                <a:spcPct val="90000"/>
+              </a:lnSpc>
+              <a:spcBef>
+                <a:spcPct val="0"/>
+              </a:spcBef>
+              <a:buNone/>
+              <a:defRPr lang="en-US" sz="4800" b="0" kern="1200" cap="none" spc="-102" baseline="0">
+                <a:ln w="3175">
+                  <a:noFill/>
+                </a:ln>
+                <a:gradFill>
+                  <a:gsLst>
+                    <a:gs pos="1250">
+                      <a:schemeClr val="tx1"/>
+                    </a:gs>
+                    <a:gs pos="100000">
+                      <a:schemeClr val="tx1"/>
+                    </a:gs>
+                  </a:gsLst>
+                  <a:lin ang="5400000" scaled="0"/>
+                </a:gradFill>
+                <a:effectLst/>
+                <a:latin typeface="+mj-lt"/>
+                <a:ea typeface="+mn-ea"/>
+                <a:cs typeface="Segoe UI" pitchFamily="34" charset="0"/>
+              </a:defRPr>
+            </a:lvl1pPr>
+          </a:lstStyle>
+          <a:p>
+            <a:r>
+              <a:rPr lang="en-GB" b="1" dirty="0"/>
+              <a:t>Set up Offline Data Sync in client side</a:t>
+            </a:r>
+          </a:p>
+          <a:p>
+            <a:r>
+              <a:rPr lang="en-GB" sz="2800" b="1" dirty="0" err="1"/>
+              <a:t>Xamarin.Android</a:t>
+            </a:r>
+            <a:endParaRPr lang="en-US" sz="2800" b="1" dirty="0"/>
+          </a:p>
+        </p:txBody>
+      </p:sp>
+      <p:pic>
+        <p:nvPicPr>
+          <p:cNvPr id="2" name="Picture 1"/>
+          <p:cNvPicPr>
+            <a:picLocks noChangeAspect="1"/>
+          </p:cNvPicPr>
+          <p:nvPr/>
+        </p:nvPicPr>
+        <p:blipFill>
+          <a:blip r:embed="rId4"/>
+          <a:stretch>
+            <a:fillRect/>
+          </a:stretch>
+        </p:blipFill>
+        <p:spPr>
+          <a:xfrm>
+            <a:off x="0" y="450200"/>
+            <a:ext cx="1210355" cy="1210355"/>
+          </a:xfrm>
+          <a:prstGeom prst="rect">
+            <a:avLst/>
+          </a:prstGeom>
+        </p:spPr>
+      </p:pic>
+      <p:pic>
+        <p:nvPicPr>
+          <p:cNvPr id="7" name="Picture 6"/>
+          <p:cNvPicPr>
+            <a:picLocks noChangeAspect="1"/>
+          </p:cNvPicPr>
+          <p:nvPr/>
+        </p:nvPicPr>
+        <p:blipFill>
+          <a:blip r:embed="rId5"/>
+          <a:stretch>
+            <a:fillRect/>
+          </a:stretch>
+        </p:blipFill>
+        <p:spPr>
+          <a:xfrm>
+            <a:off x="10543216" y="95549"/>
+            <a:ext cx="1531024" cy="1531024"/>
+          </a:xfrm>
+          <a:prstGeom prst="rect">
+            <a:avLst/>
+          </a:prstGeom>
+        </p:spPr>
+      </p:pic>
+    </p:spTree>
+    <p:extLst>
+      <p:ext uri="{BB962C8B-B14F-4D97-AF65-F5344CB8AC3E}">
+        <p14:creationId xmlns:p14="http://schemas.microsoft.com/office/powerpoint/2010/main" val="741472265"/>
+      </p:ext>
+    </p:extLst>
+  </p:cSld>
+  <p:clrMapOvr>
+    <a:masterClrMapping/>
+  </p:clrMapOvr>
+  <p:transition>
+    <p:fade/>
+  </p:transition>
+</p:sld>
+</file>
+
+<file path=ppt/slides/slide34.xml><?xml version="1.0" encoding="utf-8"?>
+<p:sld xmlns:a="http://schemas.openxmlformats.org/drawingml/2006/main" xmlns:r="http://schemas.openxmlformats.org/officeDocument/2006/relationships" xmlns:p="http://schemas.openxmlformats.org/presentationml/2006/main">
+  <p:cSld>
+    <p:bg>
+      <p:bgPr>
+        <a:blipFill dpi="0" rotWithShape="1">
+          <a:blip r:embed="rId3">
+            <a:alphaModFix amt="12000"/>
+            <a:lum/>
+          </a:blip>
+          <a:srcRect/>
+          <a:stretch>
+            <a:fillRect l="-45000" t="-39000" r="45000" b="-39000"/>
+          </a:stretch>
+        </a:blipFill>
+        <a:effectLst/>
+      </p:bgPr>
+    </p:bg>
+    <p:spTree>
+      <p:nvGrpSpPr>
+        <p:cNvPr id="1" name=""/>
+        <p:cNvGrpSpPr/>
+        <p:nvPr/>
+      </p:nvGrpSpPr>
+      <p:grpSpPr>
+        <a:xfrm>
+          <a:off x="0" y="0"/>
+          <a:ext cx="0" cy="0"/>
+          <a:chOff x="0" y="0"/>
+          <a:chExt cx="0" cy="0"/>
+        </a:xfrm>
+      </p:grpSpPr>
+      <p:sp>
+        <p:nvSpPr>
+          <p:cNvPr id="8" name="TextBox 7"/>
+          <p:cNvSpPr txBox="1"/>
+          <p:nvPr/>
+        </p:nvSpPr>
+        <p:spPr>
+          <a:xfrm>
+            <a:off x="4145965" y="-846623"/>
+            <a:ext cx="362072" cy="621556"/>
+          </a:xfrm>
+          <a:prstGeom prst="rect">
+            <a:avLst/>
+          </a:prstGeom>
+          <a:noFill/>
+        </p:spPr>
+        <p:txBody>
+          <a:bodyPr wrap="none" lIns="179285" tIns="143428" rIns="179285" bIns="143428" rtlCol="0">
+            <a:spAutoFit/>
+          </a:bodyPr>
+          <a:lstStyle/>
+          <a:p>
+            <a:pPr>
+              <a:lnSpc>
+                <a:spcPct val="90000"/>
+              </a:lnSpc>
+              <a:spcAft>
+                <a:spcPts val="588"/>
+              </a:spcAft>
+            </a:pPr>
+            <a:endParaRPr lang="en-US" sz="2353" dirty="0" err="1">
+              <a:gradFill>
+                <a:gsLst>
+                  <a:gs pos="2917">
+                    <a:schemeClr val="tx1"/>
+                  </a:gs>
+                  <a:gs pos="30000">
+                    <a:schemeClr val="tx1"/>
+                  </a:gs>
+                </a:gsLst>
+                <a:lin ang="5400000" scaled="0"/>
+              </a:gradFill>
+            </a:endParaRPr>
+          </a:p>
+        </p:txBody>
+      </p:sp>
+      <p:sp>
+        <p:nvSpPr>
+          <p:cNvPr id="3" name="Title 1"/>
+          <p:cNvSpPr txBox="1">
+            <a:spLocks/>
+          </p:cNvSpPr>
+          <p:nvPr/>
+        </p:nvSpPr>
+        <p:spPr>
+          <a:xfrm>
+            <a:off x="982785" y="450200"/>
+            <a:ext cx="9860672" cy="821722"/>
+          </a:xfrm>
+          <a:prstGeom prst="rect">
+            <a:avLst/>
+          </a:prstGeom>
+        </p:spPr>
+        <p:txBody>
+          <a:bodyPr vert="horz" wrap="square" lIns="143428" tIns="89642" rIns="143428" bIns="89642" rtlCol="0" anchor="t">
+            <a:noAutofit/>
+          </a:bodyPr>
+          <a:lstStyle>
+            <a:lvl1pPr algn="l" defTabSz="932742" rtl="0" eaLnBrk="1" latinLnBrk="0" hangingPunct="1">
+              <a:lnSpc>
+                <a:spcPct val="90000"/>
+              </a:lnSpc>
+              <a:spcBef>
+                <a:spcPct val="0"/>
+              </a:spcBef>
+              <a:buNone/>
+              <a:defRPr lang="en-US" sz="4800" b="0" kern="1200" cap="none" spc="-102" baseline="0">
+                <a:ln w="3175">
+                  <a:noFill/>
+                </a:ln>
+                <a:gradFill>
+                  <a:gsLst>
+                    <a:gs pos="1250">
+                      <a:schemeClr val="tx1"/>
+                    </a:gs>
+                    <a:gs pos="100000">
+                      <a:schemeClr val="tx1"/>
+                    </a:gs>
+                  </a:gsLst>
+                  <a:lin ang="5400000" scaled="0"/>
+                </a:gradFill>
+                <a:effectLst/>
+                <a:latin typeface="+mj-lt"/>
+                <a:ea typeface="+mn-ea"/>
+                <a:cs typeface="Segoe UI" pitchFamily="34" charset="0"/>
+              </a:defRPr>
+            </a:lvl1pPr>
+          </a:lstStyle>
+          <a:p>
+            <a:r>
+              <a:rPr lang="en-GB" b="1" dirty="0"/>
+              <a:t>Set up Offline Data Sync in client side</a:t>
+            </a:r>
+          </a:p>
+          <a:p>
+            <a:r>
+              <a:rPr lang="en-GB" sz="2800" b="1" dirty="0"/>
+              <a:t>Windows 10 Mobile</a:t>
+            </a:r>
+            <a:endParaRPr lang="en-US" sz="2800" b="1" dirty="0"/>
+          </a:p>
+        </p:txBody>
+      </p:sp>
+      <p:pic>
+        <p:nvPicPr>
+          <p:cNvPr id="4" name="Picture 3"/>
+          <p:cNvPicPr>
+            <a:picLocks noChangeAspect="1"/>
+          </p:cNvPicPr>
+          <p:nvPr/>
+        </p:nvPicPr>
+        <p:blipFill>
+          <a:blip r:embed="rId4"/>
+          <a:stretch>
+            <a:fillRect/>
+          </a:stretch>
+        </p:blipFill>
+        <p:spPr>
+          <a:xfrm>
+            <a:off x="146050" y="634350"/>
+            <a:ext cx="882650" cy="882650"/>
+          </a:xfrm>
+          <a:prstGeom prst="rect">
+            <a:avLst/>
+          </a:prstGeom>
+        </p:spPr>
+      </p:pic>
+      <p:pic>
+        <p:nvPicPr>
+          <p:cNvPr id="7" name="Picture 6"/>
+          <p:cNvPicPr>
+            <a:picLocks noChangeAspect="1"/>
+          </p:cNvPicPr>
+          <p:nvPr/>
+        </p:nvPicPr>
+        <p:blipFill>
+          <a:blip r:embed="rId5"/>
+          <a:stretch>
+            <a:fillRect/>
+          </a:stretch>
+        </p:blipFill>
+        <p:spPr>
+          <a:xfrm>
+            <a:off x="10543216" y="95549"/>
+            <a:ext cx="1531024" cy="1531024"/>
+          </a:xfrm>
+          <a:prstGeom prst="rect">
+            <a:avLst/>
+          </a:prstGeom>
+        </p:spPr>
+      </p:pic>
+    </p:spTree>
+    <p:extLst>
+      <p:ext uri="{BB962C8B-B14F-4D97-AF65-F5344CB8AC3E}">
+        <p14:creationId xmlns:p14="http://schemas.microsoft.com/office/powerpoint/2010/main" val="4283651685"/>
+      </p:ext>
+    </p:extLst>
+  </p:cSld>
+  <p:clrMapOvr>
+    <a:masterClrMapping/>
+  </p:clrMapOvr>
+  <p:transition>
+    <p:fade/>
+  </p:transition>
+</p:sld>
+</file>
+
+<file path=ppt/slides/slide35.xml><?xml version="1.0" encoding="utf-8"?>
+<p:sld xmlns:a="http://schemas.openxmlformats.org/drawingml/2006/main" xmlns:r="http://schemas.openxmlformats.org/officeDocument/2006/relationships" xmlns:p="http://schemas.openxmlformats.org/presentationml/2006/main">
+  <p:cSld>
+    <p:bg>
+      <p:bgPr>
+        <a:blipFill dpi="0" rotWithShape="1">
+          <a:blip r:embed="rId3">
+            <a:alphaModFix amt="12000"/>
+            <a:lum/>
+          </a:blip>
+          <a:srcRect/>
+          <a:stretch>
+            <a:fillRect l="-45000" t="-39000" r="45000" b="-39000"/>
+          </a:stretch>
+        </a:blipFill>
+        <a:effectLst/>
+      </p:bgPr>
+    </p:bg>
+    <p:spTree>
+      <p:nvGrpSpPr>
+        <p:cNvPr id="1" name=""/>
+        <p:cNvGrpSpPr/>
+        <p:nvPr/>
+      </p:nvGrpSpPr>
+      <p:grpSpPr>
+        <a:xfrm>
+          <a:off x="0" y="0"/>
+          <a:ext cx="0" cy="0"/>
+          <a:chOff x="0" y="0"/>
+          <a:chExt cx="0" cy="0"/>
+        </a:xfrm>
+      </p:grpSpPr>
+      <p:sp>
+        <p:nvSpPr>
+          <p:cNvPr id="8" name="TextBox 7"/>
+          <p:cNvSpPr txBox="1"/>
+          <p:nvPr/>
+        </p:nvSpPr>
+        <p:spPr>
+          <a:xfrm>
+            <a:off x="4145965" y="-846623"/>
+            <a:ext cx="362072" cy="621556"/>
+          </a:xfrm>
+          <a:prstGeom prst="rect">
+            <a:avLst/>
+          </a:prstGeom>
+          <a:noFill/>
+        </p:spPr>
+        <p:txBody>
+          <a:bodyPr wrap="none" lIns="179285" tIns="143428" rIns="179285" bIns="143428" rtlCol="0">
+            <a:spAutoFit/>
+          </a:bodyPr>
+          <a:lstStyle/>
+          <a:p>
+            <a:pPr>
+              <a:lnSpc>
+                <a:spcPct val="90000"/>
+              </a:lnSpc>
+              <a:spcAft>
+                <a:spcPts val="588"/>
+              </a:spcAft>
+            </a:pPr>
+            <a:endParaRPr lang="en-US" sz="2353" dirty="0" err="1">
+              <a:gradFill>
+                <a:gsLst>
+                  <a:gs pos="2917">
+                    <a:schemeClr val="tx1"/>
+                  </a:gs>
+                  <a:gs pos="30000">
+                    <a:schemeClr val="tx1"/>
+                  </a:gs>
+                </a:gsLst>
+                <a:lin ang="5400000" scaled="0"/>
+              </a:gradFill>
+            </a:endParaRPr>
+          </a:p>
+        </p:txBody>
+      </p:sp>
     </p:spTree>
     <p:extLst>
       <p:ext uri="{BB962C8B-B14F-4D97-AF65-F5344CB8AC3E}">
@@ -17751,7 +22366,7 @@
 </p:sld>
 </file>
 
-<file path=ppt/slides/slide29.xml><?xml version="1.0" encoding="utf-8"?>
+<file path=ppt/slides/slide36.xml><?xml version="1.0" encoding="utf-8"?>
 <p:sld xmlns:a="http://schemas.openxmlformats.org/drawingml/2006/main" xmlns:r="http://schemas.openxmlformats.org/officeDocument/2006/relationships" xmlns:p="http://schemas.openxmlformats.org/presentationml/2006/main">
   <p:cSld>
     <p:bg>
@@ -18377,354 +22992,6 @@
       <p:bldP spid="27" grpId="0"/>
     </p:bldLst>
   </p:timing>
-</p:sld>
-</file>
-
-<file path=ppt/slides/slide3.xml><?xml version="1.0" encoding="utf-8"?>
-<p:sld xmlns:a="http://schemas.openxmlformats.org/drawingml/2006/main" xmlns:r="http://schemas.openxmlformats.org/officeDocument/2006/relationships" xmlns:p="http://schemas.openxmlformats.org/presentationml/2006/main">
-  <p:cSld>
-    <p:bg>
-      <p:bgPr>
-        <a:blipFill dpi="0" rotWithShape="1">
-          <a:blip r:embed="rId3">
-            <a:alphaModFix amt="12000"/>
-            <a:lum/>
-          </a:blip>
-          <a:srcRect/>
-          <a:stretch>
-            <a:fillRect l="-45000" t="-39000" r="45000" b="-39000"/>
-          </a:stretch>
-        </a:blipFill>
-        <a:effectLst/>
-      </p:bgPr>
-    </p:bg>
-    <p:spTree>
-      <p:nvGrpSpPr>
-        <p:cNvPr id="1" name=""/>
-        <p:cNvGrpSpPr/>
-        <p:nvPr/>
-      </p:nvGrpSpPr>
-      <p:grpSpPr>
-        <a:xfrm>
-          <a:off x="0" y="0"/>
-          <a:ext cx="0" cy="0"/>
-          <a:chOff x="0" y="0"/>
-          <a:chExt cx="0" cy="0"/>
-        </a:xfrm>
-      </p:grpSpPr>
-      <p:sp>
-        <p:nvSpPr>
-          <p:cNvPr id="3" name="TextBox 2"/>
-          <p:cNvSpPr txBox="1"/>
-          <p:nvPr/>
-        </p:nvSpPr>
-        <p:spPr>
-          <a:xfrm>
-            <a:off x="1176802" y="1537853"/>
-            <a:ext cx="10676598" cy="4668970"/>
-          </a:xfrm>
-          <a:prstGeom prst="rect">
-            <a:avLst/>
-          </a:prstGeom>
-          <a:noFill/>
-        </p:spPr>
-        <p:txBody>
-          <a:bodyPr wrap="square" lIns="182880" tIns="146304" rIns="182880" bIns="146304" rtlCol="0">
-            <a:spAutoFit/>
-          </a:bodyPr>
-          <a:lstStyle/>
-          <a:p>
-            <a:pPr>
-              <a:lnSpc>
-                <a:spcPct val="90000"/>
-              </a:lnSpc>
-              <a:spcAft>
-                <a:spcPts val="600"/>
-              </a:spcAft>
-            </a:pPr>
-            <a:r>
-              <a:rPr lang="en-US" sz="3600" dirty="0">
-                <a:latin typeface="+mj-lt"/>
-              </a:rPr>
-              <a:t>We are going to build a cross platform shopping app that uses </a:t>
-            </a:r>
-            <a:r>
-              <a:rPr lang="en-GB" sz="3600" dirty="0">
-                <a:latin typeface="+mj-lt"/>
-              </a:rPr>
-              <a:t>a wide range of Azure services to help users:</a:t>
-            </a:r>
-          </a:p>
-          <a:p>
-            <a:pPr marL="571500" indent="-571500">
-              <a:lnSpc>
-                <a:spcPct val="90000"/>
-              </a:lnSpc>
-              <a:spcAft>
-                <a:spcPts val="600"/>
-              </a:spcAft>
-              <a:buFont typeface="Arial" panose="020B0604020202020204" pitchFamily="34" charset="0"/>
-              <a:buChar char="•"/>
-            </a:pPr>
-            <a:r>
-              <a:rPr lang="en-GB" sz="3600" dirty="0">
-                <a:latin typeface="+mj-lt"/>
-              </a:rPr>
-              <a:t>authenticate with Facebook or Twitter</a:t>
-            </a:r>
-          </a:p>
-          <a:p>
-            <a:pPr marL="571500" indent="-571500">
-              <a:lnSpc>
-                <a:spcPct val="90000"/>
-              </a:lnSpc>
-              <a:spcAft>
-                <a:spcPts val="600"/>
-              </a:spcAft>
-              <a:buFont typeface="Arial" panose="020B0604020202020204" pitchFamily="34" charset="0"/>
-              <a:buChar char="•"/>
-            </a:pPr>
-            <a:r>
-              <a:rPr lang="en-GB" sz="3600" dirty="0">
-                <a:latin typeface="+mj-lt"/>
-              </a:rPr>
-              <a:t>sell and buy personal items</a:t>
-            </a:r>
-          </a:p>
-          <a:p>
-            <a:pPr marL="571500" indent="-571500">
-              <a:lnSpc>
-                <a:spcPct val="90000"/>
-              </a:lnSpc>
-              <a:spcAft>
-                <a:spcPts val="600"/>
-              </a:spcAft>
-              <a:buFont typeface="Arial" panose="020B0604020202020204" pitchFamily="34" charset="0"/>
-              <a:buChar char="•"/>
-            </a:pPr>
-            <a:r>
-              <a:rPr lang="en-GB" sz="3600" dirty="0">
-                <a:latin typeface="+mj-lt"/>
-              </a:rPr>
-              <a:t>get notifications when items are purchased</a:t>
-            </a:r>
-          </a:p>
-          <a:p>
-            <a:pPr marL="571500" indent="-571500">
-              <a:lnSpc>
-                <a:spcPct val="90000"/>
-              </a:lnSpc>
-              <a:spcAft>
-                <a:spcPts val="600"/>
-              </a:spcAft>
-              <a:buFont typeface="Arial" panose="020B0604020202020204" pitchFamily="34" charset="0"/>
-              <a:buChar char="•"/>
-            </a:pPr>
-            <a:r>
-              <a:rPr lang="en-GB" sz="3600" dirty="0">
-                <a:latin typeface="+mj-lt"/>
-              </a:rPr>
-              <a:t>rate the app with a smile</a:t>
-            </a:r>
-            <a:endParaRPr lang="en-US" sz="3600" dirty="0">
-              <a:latin typeface="+mj-lt"/>
-            </a:endParaRPr>
-          </a:p>
-          <a:p>
-            <a:pPr>
-              <a:lnSpc>
-                <a:spcPct val="90000"/>
-              </a:lnSpc>
-              <a:spcAft>
-                <a:spcPts val="600"/>
-              </a:spcAft>
-            </a:pPr>
-            <a:endParaRPr lang="en-US" sz="3600" dirty="0" err="1">
-              <a:gradFill>
-                <a:gsLst>
-                  <a:gs pos="2917">
-                    <a:schemeClr val="tx1"/>
-                  </a:gs>
-                  <a:gs pos="30000">
-                    <a:schemeClr val="tx1"/>
-                  </a:gs>
-                </a:gsLst>
-                <a:lin ang="5400000" scaled="0"/>
-              </a:gradFill>
-              <a:latin typeface="+mj-lt"/>
-            </a:endParaRPr>
-          </a:p>
-        </p:txBody>
-      </p:sp>
-      <p:pic>
-        <p:nvPicPr>
-          <p:cNvPr id="6" name="Picture 5"/>
-          <p:cNvPicPr>
-            <a:picLocks noChangeAspect="1"/>
-          </p:cNvPicPr>
-          <p:nvPr/>
-        </p:nvPicPr>
-        <p:blipFill>
-          <a:blip r:embed="rId4"/>
-          <a:stretch>
-            <a:fillRect/>
-          </a:stretch>
-        </p:blipFill>
-        <p:spPr>
-          <a:xfrm>
-            <a:off x="9444414" y="2859436"/>
-            <a:ext cx="864057" cy="864057"/>
-          </a:xfrm>
-          <a:prstGeom prst="rect">
-            <a:avLst/>
-          </a:prstGeom>
-        </p:spPr>
-      </p:pic>
-      <p:pic>
-        <p:nvPicPr>
-          <p:cNvPr id="7" name="Picture 6"/>
-          <p:cNvPicPr>
-            <a:picLocks noChangeAspect="1"/>
-          </p:cNvPicPr>
-          <p:nvPr/>
-        </p:nvPicPr>
-        <p:blipFill>
-          <a:blip r:embed="rId5"/>
-          <a:stretch>
-            <a:fillRect/>
-          </a:stretch>
-        </p:blipFill>
-        <p:spPr>
-          <a:xfrm>
-            <a:off x="10592889" y="2797421"/>
-            <a:ext cx="976089" cy="976089"/>
-          </a:xfrm>
-          <a:prstGeom prst="rect">
-            <a:avLst/>
-          </a:prstGeom>
-        </p:spPr>
-      </p:pic>
-      <p:pic>
-        <p:nvPicPr>
-          <p:cNvPr id="8" name="Picture 7"/>
-          <p:cNvPicPr>
-            <a:picLocks noChangeAspect="1"/>
-          </p:cNvPicPr>
-          <p:nvPr/>
-        </p:nvPicPr>
-        <p:blipFill>
-          <a:blip r:embed="rId6"/>
-          <a:stretch>
-            <a:fillRect/>
-          </a:stretch>
-        </p:blipFill>
-        <p:spPr>
-          <a:xfrm>
-            <a:off x="10317442" y="3939786"/>
-            <a:ext cx="1535958" cy="930883"/>
-          </a:xfrm>
-          <a:prstGeom prst="rect">
-            <a:avLst/>
-          </a:prstGeom>
-        </p:spPr>
-      </p:pic>
-      <p:pic>
-        <p:nvPicPr>
-          <p:cNvPr id="9" name="Picture 8"/>
-          <p:cNvPicPr>
-            <a:picLocks noChangeAspect="1"/>
-          </p:cNvPicPr>
-          <p:nvPr/>
-        </p:nvPicPr>
-        <p:blipFill>
-          <a:blip r:embed="rId7"/>
-          <a:stretch>
-            <a:fillRect/>
-          </a:stretch>
-        </p:blipFill>
-        <p:spPr>
-          <a:xfrm>
-            <a:off x="6963956" y="4947249"/>
-            <a:ext cx="2912486" cy="473529"/>
-          </a:xfrm>
-          <a:prstGeom prst="rect">
-            <a:avLst/>
-          </a:prstGeom>
-        </p:spPr>
-      </p:pic>
-      <p:sp>
-        <p:nvSpPr>
-          <p:cNvPr id="10" name="Title 1"/>
-          <p:cNvSpPr txBox="1">
-            <a:spLocks/>
-          </p:cNvSpPr>
-          <p:nvPr/>
-        </p:nvSpPr>
-        <p:spPr>
-          <a:xfrm>
-            <a:off x="982785" y="450200"/>
-            <a:ext cx="9860672" cy="821722"/>
-          </a:xfrm>
-          <a:prstGeom prst="rect">
-            <a:avLst/>
-          </a:prstGeom>
-        </p:spPr>
-        <p:txBody>
-          <a:bodyPr vert="horz" wrap="square" lIns="143428" tIns="89642" rIns="143428" bIns="89642" rtlCol="0" anchor="t">
-            <a:noAutofit/>
-          </a:bodyPr>
-          <a:lstStyle>
-            <a:lvl1pPr algn="l" defTabSz="932742" rtl="0" eaLnBrk="1" latinLnBrk="0" hangingPunct="1">
-              <a:lnSpc>
-                <a:spcPct val="90000"/>
-              </a:lnSpc>
-              <a:spcBef>
-                <a:spcPct val="0"/>
-              </a:spcBef>
-              <a:buNone/>
-              <a:defRPr lang="en-US" sz="4800" b="0" kern="1200" cap="none" spc="-102" baseline="0">
-                <a:ln w="3175">
-                  <a:noFill/>
-                </a:ln>
-                <a:gradFill>
-                  <a:gsLst>
-                    <a:gs pos="1250">
-                      <a:schemeClr val="tx1"/>
-                    </a:gs>
-                    <a:gs pos="100000">
-                      <a:schemeClr val="tx1"/>
-                    </a:gs>
-                  </a:gsLst>
-                  <a:lin ang="5400000" scaled="0"/>
-                </a:gradFill>
-                <a:effectLst/>
-                <a:latin typeface="+mj-lt"/>
-                <a:ea typeface="+mn-ea"/>
-                <a:cs typeface="Segoe UI" pitchFamily="34" charset="0"/>
-              </a:defRPr>
-            </a:lvl1pPr>
-          </a:lstStyle>
-          <a:p>
-            <a:r>
-              <a:rPr lang="en-US" b="1" dirty="0"/>
-              <a:t>Shopping Demo App Overview</a:t>
-            </a:r>
-          </a:p>
-        </p:txBody>
-      </p:sp>
-    </p:spTree>
-    <p:extLst>
-      <p:ext uri="{BB962C8B-B14F-4D97-AF65-F5344CB8AC3E}">
-        <p14:creationId xmlns:p14="http://schemas.microsoft.com/office/powerpoint/2010/main" val="1381672606"/>
-      </p:ext>
-    </p:extLst>
-  </p:cSld>
-  <p:clrMapOvr>
-    <a:masterClrMapping/>
-  </p:clrMapOvr>
-  <p:transition>
-    <p:fade/>
-  </p:transition>
 </p:sld>
 </file>
 
